--- a/Prezentacia_Vrták_Martin.pptx
+++ b/Prezentacia_Vrták_Martin.pptx
@@ -15,7 +15,6 @@
     <p:sldId id="263" r:id="rId9"/>
     <p:sldId id="264" r:id="rId10"/>
     <p:sldId id="265" r:id="rId11"/>
-    <p:sldId id="266" r:id="rId12"/>
   </p:sldIdLst>
   <p:sldSz cx="12192000" cy="6858000"/>
   <p:notesSz cx="6858000" cy="9144000"/>
@@ -6147,148 +6146,6 @@
 </p:sld>
 </file>
 
-<file path=ppt/slides/slide11.xml><?xml version="1.0" encoding="utf-8"?>
-<p:sld xmlns:a="http://schemas.openxmlformats.org/drawingml/2006/main" xmlns:r="http://schemas.openxmlformats.org/officeDocument/2006/relationships" xmlns:p="http://schemas.openxmlformats.org/presentationml/2006/main">
-  <p:cSld>
-    <p:spTree>
-      <p:nvGrpSpPr>
-        <p:cNvPr id="1" name=""/>
-        <p:cNvGrpSpPr/>
-        <p:nvPr/>
-      </p:nvGrpSpPr>
-      <p:grpSpPr>
-        <a:xfrm>
-          <a:off x="0" y="0"/>
-          <a:ext cx="0" cy="0"/>
-          <a:chOff x="0" y="0"/>
-          <a:chExt cx="0" cy="0"/>
-        </a:xfrm>
-      </p:grpSpPr>
-      <p:sp>
-        <p:nvSpPr>
-          <p:cNvPr id="2" name="Nadpis 1">
-            <a:extLst>
-              <a:ext uri="{FF2B5EF4-FFF2-40B4-BE49-F238E27FC236}">
-                <a16:creationId xmlns:a16="http://schemas.microsoft.com/office/drawing/2014/main" id="{1019B08D-52D0-C606-0CEB-DC3D872F973B}"/>
-              </a:ext>
-            </a:extLst>
-          </p:cNvPr>
-          <p:cNvSpPr>
-            <a:spLocks noGrp="1"/>
-          </p:cNvSpPr>
-          <p:nvPr>
-            <p:ph type="title"/>
-          </p:nvPr>
-        </p:nvSpPr>
-        <p:spPr/>
-        <p:txBody>
-          <a:bodyPr/>
-          <a:lstStyle/>
-          <a:p>
-            <a:r>
-              <a:rPr lang="sk-SK" dirty="0">
-                <a:effectLst/>
-                <a:latin typeface="Arial" panose="020B0604020202020204" pitchFamily="34" charset="0"/>
-              </a:rPr>
-              <a:t>Otázky oponenta</a:t>
-            </a:r>
-            <a:endParaRPr lang="sk-SK" dirty="0"/>
-          </a:p>
-        </p:txBody>
-      </p:sp>
-      <p:sp>
-        <p:nvSpPr>
-          <p:cNvPr id="3" name="Zástupný objekt pre obsah 2">
-            <a:extLst>
-              <a:ext uri="{FF2B5EF4-FFF2-40B4-BE49-F238E27FC236}">
-                <a16:creationId xmlns:a16="http://schemas.microsoft.com/office/drawing/2014/main" id="{C35E4F6E-90B9-764B-6699-D81EDAA1987A}"/>
-              </a:ext>
-            </a:extLst>
-          </p:cNvPr>
-          <p:cNvSpPr>
-            <a:spLocks noGrp="1"/>
-          </p:cNvSpPr>
-          <p:nvPr>
-            <p:ph idx="1"/>
-          </p:nvPr>
-        </p:nvSpPr>
-        <p:spPr/>
-        <p:txBody>
-          <a:bodyPr/>
-          <a:lstStyle/>
-          <a:p>
-            <a:pPr marL="0" indent="0">
-              <a:buNone/>
-            </a:pPr>
-            <a:r>
-              <a:rPr lang="sk-SK" sz="1800" dirty="0">
-                <a:effectLst/>
-                <a:latin typeface="Arial" panose="020B0604020202020204" pitchFamily="34" charset="0"/>
-                <a:cs typeface="Arial" panose="020B0604020202020204" pitchFamily="34" charset="0"/>
-              </a:rPr>
-              <a:t>Otázka 3</a:t>
-            </a:r>
-            <a:r>
-              <a:rPr lang="sk-SK" sz="1800">
-                <a:effectLst/>
-                <a:latin typeface="Arial" panose="020B0604020202020204" pitchFamily="34" charset="0"/>
-                <a:cs typeface="Arial" panose="020B0604020202020204" pitchFamily="34" charset="0"/>
-              </a:rPr>
-              <a:t>: </a:t>
-            </a:r>
-          </a:p>
-          <a:p>
-            <a:pPr marL="0" indent="0">
-              <a:buNone/>
-            </a:pPr>
-            <a:endParaRPr lang="sk-SK" sz="1800" dirty="0">
-              <a:effectLst/>
-              <a:latin typeface="Arial" panose="020B0604020202020204" pitchFamily="34" charset="0"/>
-              <a:cs typeface="Arial" panose="020B0604020202020204" pitchFamily="34" charset="0"/>
-            </a:endParaRPr>
-          </a:p>
-          <a:p>
-            <a:pPr marL="0" indent="0">
-              <a:buNone/>
-            </a:pPr>
-            <a:r>
-              <a:rPr lang="sk-SK" dirty="0"/>
-              <a:t>V priebehu obhajoby lepšie objasnite problém, ktorý ste riešili</a:t>
-            </a:r>
-          </a:p>
-          <a:p>
-            <a:pPr marL="0" indent="0">
-              <a:buNone/>
-            </a:pPr>
-            <a:r>
-              <a:rPr lang="sk-SK" dirty="0"/>
-              <a:t>v súvislosti s meraním nadmorskej výšky pomocou lokalizačného</a:t>
-            </a:r>
-          </a:p>
-          <a:p>
-            <a:pPr marL="0" indent="0">
-              <a:buNone/>
-            </a:pPr>
-            <a:r>
-              <a:rPr lang="sk-SK" dirty="0"/>
-              <a:t>senzora.</a:t>
-            </a:r>
-          </a:p>
-        </p:txBody>
-      </p:sp>
-    </p:spTree>
-    <p:extLst>
-      <p:ext uri="{BB962C8B-B14F-4D97-AF65-F5344CB8AC3E}">
-        <p14:creationId xmlns:p14="http://schemas.microsoft.com/office/powerpoint/2010/main" val="1095424720"/>
-      </p:ext>
-    </p:extLst>
-  </p:cSld>
-  <p:clrMapOvr>
-    <a:masterClrMapping/>
-  </p:clrMapOvr>
-</p:sld>
-</file>
-
 <file path=ppt/slides/slide2.xml><?xml version="1.0" encoding="utf-8"?>
 <p:sld xmlns:a="http://schemas.openxmlformats.org/drawingml/2006/main" xmlns:r="http://schemas.openxmlformats.org/officeDocument/2006/relationships" xmlns:p="http://schemas.openxmlformats.org/presentationml/2006/main">
   <p:cSld>
@@ -6334,12 +6191,13 @@
           </a:bodyPr>
           <a:lstStyle/>
           <a:p>
+            <a:pPr algn="ctr"/>
             <a:r>
               <a:rPr lang="sk-SK" sz="3600" dirty="0">
                 <a:effectLst/>
                 <a:latin typeface="Arial" panose="020B0604020202020204" pitchFamily="34" charset="0"/>
               </a:rPr>
-              <a:t>Štruktúra diplomovej/bakalárskej práce</a:t>
+              <a:t>Štruktúra bakalárskej práce</a:t>
             </a:r>
             <a:endParaRPr lang="sk-SK" sz="3600" dirty="0"/>
           </a:p>
@@ -6534,7 +6392,9 @@
           </a:xfrm>
         </p:spPr>
         <p:txBody>
-          <a:bodyPr/>
+          <a:bodyPr>
+            <a:normAutofit/>
+          </a:bodyPr>
           <a:lstStyle/>
           <a:p>
             <a:pPr marL="285750" indent="-285750" algn="l">
@@ -6542,7 +6402,7 @@
               <a:buChar char="§"/>
             </a:pPr>
             <a:r>
-              <a:rPr lang="sk-SK" dirty="0">
+              <a:rPr lang="sk-SK" sz="2800" dirty="0">
                 <a:effectLst/>
                 <a:latin typeface="Arial" panose="020B0604020202020204" pitchFamily="34" charset="0"/>
               </a:rPr>
@@ -6555,19 +6415,19 @@
               <a:buChar char="§"/>
             </a:pPr>
             <a:r>
-              <a:rPr lang="sk-SK" dirty="0">
+              <a:rPr lang="sk-SK" sz="2800" dirty="0">
                 <a:latin typeface="Arial" panose="020B0604020202020204" pitchFamily="34" charset="0"/>
               </a:rPr>
               <a:t>z</a:t>
             </a:r>
             <a:r>
-              <a:rPr lang="sk-SK" dirty="0">
+              <a:rPr lang="sk-SK" sz="2800" dirty="0">
                 <a:effectLst/>
                 <a:latin typeface="Arial" panose="020B0604020202020204" pitchFamily="34" charset="0"/>
               </a:rPr>
               <a:t>ávery analýzy súčasného stavu</a:t>
             </a:r>
-            <a:endParaRPr lang="sk-SK" dirty="0"/>
+            <a:endParaRPr lang="sk-SK" sz="2800" dirty="0"/>
           </a:p>
         </p:txBody>
       </p:sp>
@@ -6656,24 +6516,33 @@
           </a:xfrm>
         </p:spPr>
         <p:txBody>
-          <a:bodyPr/>
+          <a:bodyPr>
+            <a:normAutofit/>
+          </a:bodyPr>
           <a:lstStyle/>
           <a:p>
             <a:pPr marL="0" indent="0">
               <a:buNone/>
             </a:pPr>
             <a:r>
-              <a:rPr lang="sk-SK" dirty="0">
+              <a:rPr lang="sk-SK" sz="2800" dirty="0">
                 <a:effectLst/>
                 <a:latin typeface="Arial" panose="020B0604020202020204" pitchFamily="34" charset="0"/>
+                <a:cs typeface="Arial" panose="020B0604020202020204" pitchFamily="34" charset="0"/>
               </a:rPr>
               <a:t>• stručne zadefinovať cieľ práce</a:t>
             </a:r>
             <a:br>
-              <a:rPr lang="sk-SK" dirty="0"/>
+              <a:rPr lang="sk-SK" sz="2800" dirty="0">
+                <a:latin typeface="Arial" panose="020B0604020202020204" pitchFamily="34" charset="0"/>
+                <a:cs typeface="Arial" panose="020B0604020202020204" pitchFamily="34" charset="0"/>
+              </a:rPr>
             </a:br>
             <a:r>
-              <a:rPr lang="sk-SK" dirty="0"/>
+              <a:rPr lang="sk-SK" sz="2800" dirty="0">
+                <a:latin typeface="Arial" panose="020B0604020202020204" pitchFamily="34" charset="0"/>
+                <a:cs typeface="Arial" panose="020B0604020202020204" pitchFamily="34" charset="0"/>
+              </a:rPr>
               <a:t>	</a:t>
             </a:r>
           </a:p>
@@ -6682,9 +6551,10 @@
               <a:buNone/>
             </a:pPr>
             <a:r>
-              <a:rPr lang="sk-SK" dirty="0">
+              <a:rPr lang="sk-SK" sz="2800" dirty="0">
                 <a:effectLst/>
                 <a:latin typeface="Arial" panose="020B0604020202020204" pitchFamily="34" charset="0"/>
+                <a:cs typeface="Arial" panose="020B0604020202020204" pitchFamily="34" charset="0"/>
               </a:rPr>
               <a:t>Cieľ práce je rozdelený na čiastkové ciele:</a:t>
             </a:r>
@@ -6694,40 +6564,53 @@
               <a:buNone/>
             </a:pPr>
             <a:br>
-              <a:rPr lang="sk-SK" dirty="0"/>
+              <a:rPr lang="sk-SK" sz="2800" dirty="0">
+                <a:latin typeface="Arial" panose="020B0604020202020204" pitchFamily="34" charset="0"/>
+                <a:cs typeface="Arial" panose="020B0604020202020204" pitchFamily="34" charset="0"/>
+              </a:rPr>
             </a:br>
             <a:r>
-              <a:rPr lang="sk-SK" dirty="0">
+              <a:rPr lang="sk-SK" sz="2800" dirty="0">
                 <a:effectLst/>
                 <a:latin typeface="Arial" panose="020B0604020202020204" pitchFamily="34" charset="0"/>
+                <a:cs typeface="Arial" panose="020B0604020202020204" pitchFamily="34" charset="0"/>
               </a:rPr>
               <a:t>1. aplikácia metód A </a:t>
             </a:r>
             <a:r>
-              <a:rPr lang="sk-SK" dirty="0" err="1">
+              <a:rPr lang="sk-SK" sz="2800" dirty="0" err="1">
                 <a:effectLst/>
                 <a:latin typeface="Arial" panose="020B0604020202020204" pitchFamily="34" charset="0"/>
+                <a:cs typeface="Arial" panose="020B0604020202020204" pitchFamily="34" charset="0"/>
               </a:rPr>
               <a:t>a</a:t>
             </a:r>
             <a:r>
-              <a:rPr lang="sk-SK" dirty="0">
+              <a:rPr lang="sk-SK" sz="2800" dirty="0">
                 <a:effectLst/>
                 <a:latin typeface="Arial" panose="020B0604020202020204" pitchFamily="34" charset="0"/>
+                <a:cs typeface="Arial" panose="020B0604020202020204" pitchFamily="34" charset="0"/>
               </a:rPr>
               <a:t> B na dáta a vyhodnotenie výsledkov</a:t>
             </a:r>
             <a:br>
-              <a:rPr lang="sk-SK" dirty="0"/>
+              <a:rPr lang="sk-SK" sz="2800" dirty="0">
+                <a:latin typeface="Arial" panose="020B0604020202020204" pitchFamily="34" charset="0"/>
+                <a:cs typeface="Arial" panose="020B0604020202020204" pitchFamily="34" charset="0"/>
+              </a:rPr>
             </a:br>
             <a:r>
-              <a:rPr lang="sk-SK" dirty="0">
+              <a:rPr lang="sk-SK" sz="2800" dirty="0">
                 <a:effectLst/>
                 <a:latin typeface="Arial" panose="020B0604020202020204" pitchFamily="34" charset="0"/>
+                <a:cs typeface="Arial" panose="020B0604020202020204" pitchFamily="34" charset="0"/>
               </a:rPr>
               <a:t>2. návrh vlastnej metódy a jej aplikácia na dáta</a:t>
             </a:r>
-            <a:endParaRPr lang="sk-SK" dirty="0"/>
+            <a:endParaRPr lang="sk-SK" sz="2800" dirty="0">
+              <a:latin typeface="Arial" panose="020B0604020202020204" pitchFamily="34" charset="0"/>
+              <a:cs typeface="Arial" panose="020B0604020202020204" pitchFamily="34" charset="0"/>
+            </a:endParaRPr>
           </a:p>
         </p:txBody>
       </p:sp>
@@ -6816,50 +6699,68 @@
           </a:xfrm>
         </p:spPr>
         <p:txBody>
-          <a:bodyPr/>
+          <a:bodyPr>
+            <a:normAutofit/>
+          </a:bodyPr>
           <a:lstStyle/>
           <a:p>
             <a:pPr marL="0" indent="0">
               <a:buNone/>
             </a:pPr>
             <a:r>
-              <a:rPr lang="sk-SK" dirty="0">
+              <a:rPr lang="sk-SK" sz="2800" dirty="0">
                 <a:effectLst/>
                 <a:latin typeface="Arial" panose="020B0604020202020204" pitchFamily="34" charset="0"/>
+                <a:cs typeface="Arial" panose="020B0604020202020204" pitchFamily="34" charset="0"/>
               </a:rPr>
               <a:t>• metóda vhodná pre daný typ údajov</a:t>
             </a:r>
             <a:br>
-              <a:rPr lang="sk-SK" dirty="0"/>
+              <a:rPr lang="sk-SK" sz="2800" dirty="0">
+                <a:latin typeface="Arial" panose="020B0604020202020204" pitchFamily="34" charset="0"/>
+                <a:cs typeface="Arial" panose="020B0604020202020204" pitchFamily="34" charset="0"/>
+              </a:rPr>
             </a:br>
             <a:r>
-              <a:rPr lang="sk-SK" dirty="0">
+              <a:rPr lang="sk-SK" sz="2800" dirty="0">
                 <a:effectLst/>
                 <a:latin typeface="Arial" panose="020B0604020202020204" pitchFamily="34" charset="0"/>
+                <a:cs typeface="Arial" panose="020B0604020202020204" pitchFamily="34" charset="0"/>
               </a:rPr>
               <a:t>• výsledkom metódy je</a:t>
             </a:r>
             <a:br>
-              <a:rPr lang="sk-SK" dirty="0"/>
+              <a:rPr lang="sk-SK" sz="2800" dirty="0">
+                <a:latin typeface="Arial" panose="020B0604020202020204" pitchFamily="34" charset="0"/>
+                <a:cs typeface="Arial" panose="020B0604020202020204" pitchFamily="34" charset="0"/>
+              </a:rPr>
             </a:br>
             <a:r>
-              <a:rPr lang="sk-SK" dirty="0">
+              <a:rPr lang="sk-SK" sz="2800" dirty="0">
                 <a:effectLst/>
                 <a:latin typeface="Arial" panose="020B0604020202020204" pitchFamily="34" charset="0"/>
+                <a:cs typeface="Arial" panose="020B0604020202020204" pitchFamily="34" charset="0"/>
               </a:rPr>
               <a:t>• výhody metódy</a:t>
             </a:r>
             <a:br>
-              <a:rPr lang="sk-SK" dirty="0"/>
+              <a:rPr lang="sk-SK" sz="2800" dirty="0">
+                <a:latin typeface="Arial" panose="020B0604020202020204" pitchFamily="34" charset="0"/>
+                <a:cs typeface="Arial" panose="020B0604020202020204" pitchFamily="34" charset="0"/>
+              </a:rPr>
             </a:br>
             <a:r>
-              <a:rPr lang="sk-SK" dirty="0">
+              <a:rPr lang="sk-SK" sz="2800" dirty="0">
                 <a:effectLst/>
                 <a:latin typeface="Arial" panose="020B0604020202020204" pitchFamily="34" charset="0"/>
+                <a:cs typeface="Arial" panose="020B0604020202020204" pitchFamily="34" charset="0"/>
               </a:rPr>
               <a:t>• nevýhody metódy</a:t>
             </a:r>
-            <a:endParaRPr lang="sk-SK" dirty="0"/>
+            <a:endParaRPr lang="sk-SK" sz="2800" dirty="0">
+              <a:latin typeface="Arial" panose="020B0604020202020204" pitchFamily="34" charset="0"/>
+              <a:cs typeface="Arial" panose="020B0604020202020204" pitchFamily="34" charset="0"/>
+            </a:endParaRPr>
           </a:p>
         </p:txBody>
       </p:sp>
@@ -7034,40 +6935,54 @@
           </a:xfrm>
         </p:spPr>
         <p:txBody>
-          <a:bodyPr/>
+          <a:bodyPr>
+            <a:normAutofit/>
+          </a:bodyPr>
           <a:lstStyle/>
           <a:p>
             <a:pPr marL="0" indent="0">
               <a:buNone/>
             </a:pPr>
             <a:r>
-              <a:rPr lang="sk-SK" dirty="0">
+              <a:rPr lang="sk-SK" sz="2800" dirty="0">
                 <a:effectLst/>
                 <a:latin typeface="Arial" panose="020B0604020202020204" pitchFamily="34" charset="0"/>
+                <a:cs typeface="Arial" panose="020B0604020202020204" pitchFamily="34" charset="0"/>
               </a:rPr>
               <a:t>• skúmané metódy boli porovnané z rôznych hľadísk</a:t>
             </a:r>
             <a:br>
-              <a:rPr lang="sk-SK" dirty="0"/>
+              <a:rPr lang="sk-SK" sz="2800" dirty="0">
+                <a:latin typeface="Arial" panose="020B0604020202020204" pitchFamily="34" charset="0"/>
+                <a:cs typeface="Arial" panose="020B0604020202020204" pitchFamily="34" charset="0"/>
+              </a:rPr>
             </a:br>
             <a:r>
-              <a:rPr lang="sk-SK" dirty="0">
+              <a:rPr lang="sk-SK" sz="2800" dirty="0">
                 <a:effectLst/>
                 <a:latin typeface="Arial" panose="020B0604020202020204" pitchFamily="34" charset="0"/>
+                <a:cs typeface="Arial" panose="020B0604020202020204" pitchFamily="34" charset="0"/>
               </a:rPr>
               <a:t>• prínosom pre prax je použitie novej metódy, ktorá je efektívnejšia</a:t>
             </a:r>
             <a:br>
-              <a:rPr lang="sk-SK" dirty="0"/>
+              <a:rPr lang="sk-SK" sz="2800" dirty="0">
+                <a:latin typeface="Arial" panose="020B0604020202020204" pitchFamily="34" charset="0"/>
+                <a:cs typeface="Arial" panose="020B0604020202020204" pitchFamily="34" charset="0"/>
+              </a:rPr>
             </a:br>
             <a:r>
-              <a:rPr lang="sk-SK" dirty="0">
+              <a:rPr lang="sk-SK" sz="2800" dirty="0">
                 <a:effectLst/>
                 <a:latin typeface="Arial" panose="020B0604020202020204" pitchFamily="34" charset="0"/>
+                <a:cs typeface="Arial" panose="020B0604020202020204" pitchFamily="34" charset="0"/>
               </a:rPr>
               <a:t>• nevýhodou novej metódy je časová náročnosť</a:t>
             </a:r>
-            <a:endParaRPr lang="sk-SK" dirty="0"/>
+            <a:endParaRPr lang="sk-SK" sz="2800" dirty="0">
+              <a:latin typeface="Arial" panose="020B0604020202020204" pitchFamily="34" charset="0"/>
+              <a:cs typeface="Arial" panose="020B0604020202020204" pitchFamily="34" charset="0"/>
+            </a:endParaRPr>
           </a:p>
         </p:txBody>
       </p:sp>

--- a/Prezentacia_Vrták_Martin.pptx
+++ b/Prezentacia_Vrták_Martin.pptx
@@ -6116,19 +6116,7 @@
                 <a:latin typeface="Arial" panose="020B0604020202020204" pitchFamily="34" charset="0"/>
                 <a:cs typeface="Arial" panose="020B0604020202020204" pitchFamily="34" charset="0"/>
               </a:rPr>
-              <a:t>) by malo zmysel v aplikácii</a:t>
-            </a:r>
-          </a:p>
-          <a:p>
-            <a:pPr marL="0" indent="0">
-              <a:buNone/>
-            </a:pPr>
-            <a:r>
-              <a:rPr lang="sk-SK" sz="2800" dirty="0">
-                <a:latin typeface="Arial" panose="020B0604020202020204" pitchFamily="34" charset="0"/>
-                <a:cs typeface="Arial" panose="020B0604020202020204" pitchFamily="34" charset="0"/>
-              </a:rPr>
-              <a:t>vizualizovať?</a:t>
+              <a:t>) by malo zmysel v aplikácii vizualizovať?</a:t>
             </a:r>
           </a:p>
         </p:txBody>
@@ -6538,13 +6526,10 @@
                 <a:cs typeface="Arial" panose="020B0604020202020204" pitchFamily="34" charset="0"/>
               </a:rPr>
             </a:br>
-            <a:r>
-              <a:rPr lang="sk-SK" sz="2800" dirty="0">
-                <a:latin typeface="Arial" panose="020B0604020202020204" pitchFamily="34" charset="0"/>
-                <a:cs typeface="Arial" panose="020B0604020202020204" pitchFamily="34" charset="0"/>
-              </a:rPr>
-              <a:t>	</a:t>
-            </a:r>
+            <a:endParaRPr lang="sk-SK" sz="2800" dirty="0">
+              <a:latin typeface="Arial" panose="020B0604020202020204" pitchFamily="34" charset="0"/>
+              <a:cs typeface="Arial" panose="020B0604020202020204" pitchFamily="34" charset="0"/>
+            </a:endParaRPr>
           </a:p>
           <a:p>
             <a:pPr marL="0" indent="0">
@@ -7181,7 +7166,19 @@
                 <a:effectLst/>
                 <a:latin typeface="Arial" panose="020B0604020202020204" pitchFamily="34" charset="0"/>
               </a:rPr>
-              <a:t>. Aké informácie možno zo zozbieraných dát zistiť?</a:t>
+              <a:t>. </a:t>
+            </a:r>
+          </a:p>
+          <a:p>
+            <a:pPr marL="0" indent="0">
+              <a:buNone/>
+            </a:pPr>
+            <a:r>
+              <a:rPr lang="sk-SK" sz="2800" dirty="0">
+                <a:effectLst/>
+                <a:latin typeface="Arial" panose="020B0604020202020204" pitchFamily="34" charset="0"/>
+              </a:rPr>
+              <a:t>Aké informácie možno zo zozbieraných dát zistiť?</a:t>
             </a:r>
           </a:p>
           <a:p>

--- a/Prezentacia_Vrták_Martin.pptx
+++ b/Prezentacia_Vrták_Martin.pptx
@@ -9,12 +9,14 @@
     <p:sldId id="256" r:id="rId3"/>
     <p:sldId id="257" r:id="rId4"/>
     <p:sldId id="259" r:id="rId5"/>
-    <p:sldId id="260" r:id="rId6"/>
-    <p:sldId id="261" r:id="rId7"/>
-    <p:sldId id="262" r:id="rId8"/>
-    <p:sldId id="263" r:id="rId9"/>
-    <p:sldId id="264" r:id="rId10"/>
-    <p:sldId id="265" r:id="rId11"/>
+    <p:sldId id="267" r:id="rId6"/>
+    <p:sldId id="260" r:id="rId7"/>
+    <p:sldId id="261" r:id="rId8"/>
+    <p:sldId id="262" r:id="rId9"/>
+    <p:sldId id="263" r:id="rId10"/>
+    <p:sldId id="264" r:id="rId11"/>
+    <p:sldId id="265" r:id="rId12"/>
+    <p:sldId id="266" r:id="rId13"/>
   </p:sldIdLst>
   <p:sldSz cx="12192000" cy="6858000"/>
   <p:notesSz cx="6858000" cy="9144000"/>
@@ -113,6 +115,11 @@
       </a:defRPr>
     </a:lvl9pPr>
   </p:defaultTextStyle>
+  <p:extLst>
+    <p:ext uri="{EFAFB233-063F-42B5-8137-9DF3F51BA10A}">
+      <p15:sldGuideLst xmlns:p15="http://schemas.microsoft.com/office/powerpoint/2012/main"/>
+    </p:ext>
+  </p:extLst>
 </p:presentation>
 </file>
 
@@ -850,7 +857,7 @@
           <a:p>
             <a:fld id="{48A87A34-81AB-432B-8DAE-1953F412C126}" type="datetimeFigureOut">
               <a:rPr lang="en-US" smtClean="0"/>
-              <a:t>5/19/2023</a:t>
+              <a:t>5/27/2023</a:t>
             </a:fld>
             <a:endParaRPr lang="en-US" dirty="0"/>
           </a:p>
@@ -1102,7 +1109,7 @@
             <a:fld id="{48A87A34-81AB-432B-8DAE-1953F412C126}" type="datetimeFigureOut">
               <a:rPr lang="en-US" smtClean="0"/>
               <a:pPr/>
-              <a:t>5/19/2023</a:t>
+              <a:t>5/27/2023</a:t>
             </a:fld>
             <a:endParaRPr lang="en-US" dirty="0"/>
           </a:p>
@@ -1418,7 +1425,7 @@
             <a:fld id="{48A87A34-81AB-432B-8DAE-1953F412C126}" type="datetimeFigureOut">
               <a:rPr lang="en-US" smtClean="0"/>
               <a:pPr/>
-              <a:t>5/19/2023</a:t>
+              <a:t>5/27/2023</a:t>
             </a:fld>
             <a:endParaRPr lang="en-US" dirty="0"/>
           </a:p>
@@ -1761,7 +1768,7 @@
             <a:fld id="{48A87A34-81AB-432B-8DAE-1953F412C126}" type="datetimeFigureOut">
               <a:rPr lang="en-US" smtClean="0"/>
               <a:pPr/>
-              <a:t>5/19/2023</a:t>
+              <a:t>5/27/2023</a:t>
             </a:fld>
             <a:endParaRPr lang="en-US" dirty="0"/>
           </a:p>
@@ -2077,7 +2084,7 @@
             <a:fld id="{48A87A34-81AB-432B-8DAE-1953F412C126}" type="datetimeFigureOut">
               <a:rPr lang="en-US" smtClean="0"/>
               <a:pPr/>
-              <a:t>5/19/2023</a:t>
+              <a:t>5/27/2023</a:t>
             </a:fld>
             <a:endParaRPr lang="en-US" dirty="0"/>
           </a:p>
@@ -2472,7 +2479,7 @@
             <a:fld id="{48A87A34-81AB-432B-8DAE-1953F412C126}" type="datetimeFigureOut">
               <a:rPr lang="en-US" smtClean="0"/>
               <a:pPr/>
-              <a:t>5/19/2023</a:t>
+              <a:t>5/27/2023</a:t>
             </a:fld>
             <a:endParaRPr lang="en-US" dirty="0"/>
           </a:p>
@@ -2643,7 +2650,7 @@
           <a:p>
             <a:fld id="{48A87A34-81AB-432B-8DAE-1953F412C126}" type="datetimeFigureOut">
               <a:rPr lang="en-US" smtClean="0"/>
-              <a:t>5/19/2023</a:t>
+              <a:t>5/27/2023</a:t>
             </a:fld>
             <a:endParaRPr lang="en-US" dirty="0"/>
           </a:p>
@@ -2823,7 +2830,7 @@
           <a:p>
             <a:fld id="{48A87A34-81AB-432B-8DAE-1953F412C126}" type="datetimeFigureOut">
               <a:rPr lang="en-US" smtClean="0"/>
-              <a:t>5/19/2023</a:t>
+              <a:t>5/27/2023</a:t>
             </a:fld>
             <a:endParaRPr lang="en-US" dirty="0"/>
           </a:p>
@@ -2999,7 +3006,7 @@
           <a:p>
             <a:fld id="{48A87A34-81AB-432B-8DAE-1953F412C126}" type="datetimeFigureOut">
               <a:rPr lang="en-US" smtClean="0"/>
-              <a:t>5/19/2023</a:t>
+              <a:t>5/27/2023</a:t>
             </a:fld>
             <a:endParaRPr lang="en-US" dirty="0"/>
           </a:p>
@@ -3246,7 +3253,7 @@
           <a:p>
             <a:fld id="{48A87A34-81AB-432B-8DAE-1953F412C126}" type="datetimeFigureOut">
               <a:rPr lang="en-US" smtClean="0"/>
-              <a:t>5/19/2023</a:t>
+              <a:t>5/27/2023</a:t>
             </a:fld>
             <a:endParaRPr lang="en-US" dirty="0"/>
           </a:p>
@@ -3478,7 +3485,7 @@
           <a:p>
             <a:fld id="{48A87A34-81AB-432B-8DAE-1953F412C126}" type="datetimeFigureOut">
               <a:rPr lang="en-US" smtClean="0"/>
-              <a:t>5/19/2023</a:t>
+              <a:t>5/27/2023</a:t>
             </a:fld>
             <a:endParaRPr lang="en-US" dirty="0"/>
           </a:p>
@@ -3852,7 +3859,7 @@
           <a:p>
             <a:fld id="{48A87A34-81AB-432B-8DAE-1953F412C126}" type="datetimeFigureOut">
               <a:rPr lang="en-US" smtClean="0"/>
-              <a:t>5/19/2023</a:t>
+              <a:t>5/27/2023</a:t>
             </a:fld>
             <a:endParaRPr lang="en-US" dirty="0"/>
           </a:p>
@@ -3975,7 +3982,7 @@
           <a:p>
             <a:fld id="{48A87A34-81AB-432B-8DAE-1953F412C126}" type="datetimeFigureOut">
               <a:rPr lang="en-US" smtClean="0"/>
-              <a:t>5/19/2023</a:t>
+              <a:t>5/27/2023</a:t>
             </a:fld>
             <a:endParaRPr lang="en-US" dirty="0"/>
           </a:p>
@@ -4070,7 +4077,7 @@
           <a:p>
             <a:fld id="{48A87A34-81AB-432B-8DAE-1953F412C126}" type="datetimeFigureOut">
               <a:rPr lang="en-US" smtClean="0"/>
-              <a:t>5/19/2023</a:t>
+              <a:t>5/27/2023</a:t>
             </a:fld>
             <a:endParaRPr lang="en-US" dirty="0"/>
           </a:p>
@@ -4325,7 +4332,7 @@
           <a:p>
             <a:fld id="{48A87A34-81AB-432B-8DAE-1953F412C126}" type="datetimeFigureOut">
               <a:rPr lang="en-US" smtClean="0"/>
-              <a:t>5/19/2023</a:t>
+              <a:t>5/27/2023</a:t>
             </a:fld>
             <a:endParaRPr lang="en-US" dirty="0"/>
           </a:p>
@@ -4589,7 +4596,7 @@
             <a:fld id="{48A87A34-81AB-432B-8DAE-1953F412C126}" type="datetimeFigureOut">
               <a:rPr lang="en-US" smtClean="0"/>
               <a:pPr/>
-              <a:t>5/19/2023</a:t>
+              <a:t>5/27/2023</a:t>
             </a:fld>
             <a:endParaRPr lang="en-US" dirty="0"/>
           </a:p>
@@ -5333,7 +5340,7 @@
             <a:fld id="{48A87A34-81AB-432B-8DAE-1953F412C126}" type="datetimeFigureOut">
               <a:rPr lang="en-US" smtClean="0"/>
               <a:pPr/>
-              <a:t>5/19/2023</a:t>
+              <a:t>5/27/2023</a:t>
             </a:fld>
             <a:endParaRPr lang="en-US" dirty="0"/>
           </a:p>
@@ -6021,6 +6028,162 @@
           <p:cNvPr id="2" name="Nadpis 1">
             <a:extLst>
               <a:ext uri="{FF2B5EF4-FFF2-40B4-BE49-F238E27FC236}">
+                <a16:creationId xmlns:a16="http://schemas.microsoft.com/office/drawing/2014/main" id="{B1071283-7BD3-A9BD-DF2F-7AA61E36D5BE}"/>
+              </a:ext>
+            </a:extLst>
+          </p:cNvPr>
+          <p:cNvSpPr>
+            <a:spLocks noGrp="1"/>
+          </p:cNvSpPr>
+          <p:nvPr>
+            <p:ph type="title"/>
+          </p:nvPr>
+        </p:nvSpPr>
+        <p:spPr/>
+        <p:txBody>
+          <a:bodyPr/>
+          <a:lstStyle/>
+          <a:p>
+            <a:r>
+              <a:rPr lang="sk-SK" dirty="0">
+                <a:effectLst/>
+                <a:latin typeface="Arial" panose="020B0604020202020204" pitchFamily="34" charset="0"/>
+              </a:rPr>
+              <a:t>Otázky oponenta</a:t>
+            </a:r>
+            <a:endParaRPr lang="sk-SK" dirty="0"/>
+          </a:p>
+        </p:txBody>
+      </p:sp>
+      <p:sp>
+        <p:nvSpPr>
+          <p:cNvPr id="3" name="Zástupný objekt pre obsah 2">
+            <a:extLst>
+              <a:ext uri="{FF2B5EF4-FFF2-40B4-BE49-F238E27FC236}">
+                <a16:creationId xmlns:a16="http://schemas.microsoft.com/office/drawing/2014/main" id="{FFC5C904-7B4C-0072-B714-293E8E03ED63}"/>
+              </a:ext>
+            </a:extLst>
+          </p:cNvPr>
+          <p:cNvSpPr>
+            <a:spLocks noGrp="1"/>
+          </p:cNvSpPr>
+          <p:nvPr>
+            <p:ph idx="1"/>
+          </p:nvPr>
+        </p:nvSpPr>
+        <p:spPr/>
+        <p:txBody>
+          <a:bodyPr/>
+          <a:lstStyle/>
+          <a:p>
+            <a:pPr marL="0" indent="0">
+              <a:buNone/>
+            </a:pPr>
+            <a:r>
+              <a:rPr lang="sk-SK" sz="2800" dirty="0">
+                <a:effectLst/>
+                <a:latin typeface="Arial" panose="020B0604020202020204" pitchFamily="34" charset="0"/>
+              </a:rPr>
+              <a:t>Otázka 1: </a:t>
+            </a:r>
+          </a:p>
+          <a:p>
+            <a:pPr marL="0" indent="0">
+              <a:buNone/>
+            </a:pPr>
+            <a:endParaRPr lang="sk-SK" sz="2800" dirty="0">
+              <a:latin typeface="Arial" panose="020B0604020202020204" pitchFamily="34" charset="0"/>
+            </a:endParaRPr>
+          </a:p>
+          <a:p>
+            <a:pPr marL="0" indent="0">
+              <a:buNone/>
+            </a:pPr>
+            <a:r>
+              <a:rPr lang="sk-SK" sz="2800" dirty="0">
+                <a:effectLst/>
+                <a:latin typeface="Arial" panose="020B0604020202020204" pitchFamily="34" charset="0"/>
+              </a:rPr>
+              <a:t>Zrealizujte záznam trasy pomocou vytvorenej aplikácie. Vizualizujte zozbierané dáta s využitím v práci spomínanej služby Google </a:t>
+            </a:r>
+            <a:r>
+              <a:rPr lang="sk-SK" sz="2800" dirty="0" err="1">
+                <a:effectLst/>
+                <a:latin typeface="Arial" panose="020B0604020202020204" pitchFamily="34" charset="0"/>
+              </a:rPr>
+              <a:t>Earth</a:t>
+            </a:r>
+            <a:r>
+              <a:rPr lang="sk-SK" sz="2800" dirty="0">
+                <a:effectLst/>
+                <a:latin typeface="Arial" panose="020B0604020202020204" pitchFamily="34" charset="0"/>
+              </a:rPr>
+              <a:t>. </a:t>
+            </a:r>
+          </a:p>
+          <a:p>
+            <a:pPr marL="0" indent="0">
+              <a:buNone/>
+            </a:pPr>
+            <a:r>
+              <a:rPr lang="sk-SK" sz="2800" dirty="0">
+                <a:effectLst/>
+                <a:latin typeface="Arial" panose="020B0604020202020204" pitchFamily="34" charset="0"/>
+              </a:rPr>
+              <a:t>Aké informácie možno zo zozbieraných dát zistiť?</a:t>
+            </a:r>
+          </a:p>
+          <a:p>
+            <a:pPr marL="0" indent="0">
+              <a:buNone/>
+            </a:pPr>
+            <a:endParaRPr lang="sk-SK" dirty="0">
+              <a:latin typeface="Arial" panose="020B0604020202020204" pitchFamily="34" charset="0"/>
+            </a:endParaRPr>
+          </a:p>
+          <a:p>
+            <a:pPr marL="0" indent="0">
+              <a:buNone/>
+            </a:pPr>
+            <a:endParaRPr lang="sk-SK" dirty="0"/>
+          </a:p>
+        </p:txBody>
+      </p:sp>
+    </p:spTree>
+    <p:extLst>
+      <p:ext uri="{BB962C8B-B14F-4D97-AF65-F5344CB8AC3E}">
+        <p14:creationId xmlns:p14="http://schemas.microsoft.com/office/powerpoint/2010/main" val="220308034"/>
+      </p:ext>
+    </p:extLst>
+  </p:cSld>
+  <p:clrMapOvr>
+    <a:masterClrMapping/>
+  </p:clrMapOvr>
+</p:sld>
+</file>
+
+<file path=ppt/slides/slide11.xml><?xml version="1.0" encoding="utf-8"?>
+<p:sld xmlns:a="http://schemas.openxmlformats.org/drawingml/2006/main" xmlns:r="http://schemas.openxmlformats.org/officeDocument/2006/relationships" xmlns:p="http://schemas.openxmlformats.org/presentationml/2006/main">
+  <p:cSld>
+    <p:spTree>
+      <p:nvGrpSpPr>
+        <p:cNvPr id="1" name=""/>
+        <p:cNvGrpSpPr/>
+        <p:nvPr/>
+      </p:nvGrpSpPr>
+      <p:grpSpPr>
+        <a:xfrm>
+          <a:off x="0" y="0"/>
+          <a:ext cx="0" cy="0"/>
+          <a:chOff x="0" y="0"/>
+          <a:chExt cx="0" cy="0"/>
+        </a:xfrm>
+      </p:grpSpPr>
+      <p:sp>
+        <p:nvSpPr>
+          <p:cNvPr id="2" name="Nadpis 1">
+            <a:extLst>
+              <a:ext uri="{FF2B5EF4-FFF2-40B4-BE49-F238E27FC236}">
                 <a16:creationId xmlns:a16="http://schemas.microsoft.com/office/drawing/2014/main" id="{6300E96E-DF14-1E46-B705-41B2B9D10292}"/>
               </a:ext>
             </a:extLst>
@@ -6125,6 +6288,104 @@
     <p:extLst>
       <p:ext uri="{BB962C8B-B14F-4D97-AF65-F5344CB8AC3E}">
         <p14:creationId xmlns:p14="http://schemas.microsoft.com/office/powerpoint/2010/main" val="2109469454"/>
+      </p:ext>
+    </p:extLst>
+  </p:cSld>
+  <p:clrMapOvr>
+    <a:masterClrMapping/>
+  </p:clrMapOvr>
+</p:sld>
+</file>
+
+<file path=ppt/slides/slide12.xml><?xml version="1.0" encoding="utf-8"?>
+<p:sld xmlns:a="http://schemas.openxmlformats.org/drawingml/2006/main" xmlns:r="http://schemas.openxmlformats.org/officeDocument/2006/relationships" xmlns:p="http://schemas.openxmlformats.org/presentationml/2006/main">
+  <p:cSld>
+    <p:spTree>
+      <p:nvGrpSpPr>
+        <p:cNvPr id="1" name=""/>
+        <p:cNvGrpSpPr/>
+        <p:nvPr/>
+      </p:nvGrpSpPr>
+      <p:grpSpPr>
+        <a:xfrm>
+          <a:off x="0" y="0"/>
+          <a:ext cx="0" cy="0"/>
+          <a:chOff x="0" y="0"/>
+          <a:chExt cx="0" cy="0"/>
+        </a:xfrm>
+      </p:grpSpPr>
+      <p:sp>
+        <p:nvSpPr>
+          <p:cNvPr id="2" name="Nadpis 1">
+            <a:extLst>
+              <a:ext uri="{FF2B5EF4-FFF2-40B4-BE49-F238E27FC236}">
+                <a16:creationId xmlns:a16="http://schemas.microsoft.com/office/drawing/2014/main" id="{789FC612-FA78-7934-F5C8-3D6DC3CF5AD2}"/>
+              </a:ext>
+            </a:extLst>
+          </p:cNvPr>
+          <p:cNvSpPr>
+            <a:spLocks noGrp="1"/>
+          </p:cNvSpPr>
+          <p:nvPr>
+            <p:ph type="title"/>
+          </p:nvPr>
+        </p:nvSpPr>
+        <p:spPr/>
+        <p:txBody>
+          <a:bodyPr/>
+          <a:lstStyle/>
+          <a:p>
+            <a:r>
+              <a:rPr lang="sk-SK" dirty="0">
+                <a:effectLst/>
+                <a:latin typeface="Arial" panose="020B0604020202020204" pitchFamily="34" charset="0"/>
+              </a:rPr>
+              <a:t>Otázky oponenta</a:t>
+            </a:r>
+            <a:endParaRPr lang="sk-SK" dirty="0"/>
+          </a:p>
+        </p:txBody>
+      </p:sp>
+      <p:sp>
+        <p:nvSpPr>
+          <p:cNvPr id="3" name="Zástupný objekt pre obsah 2">
+            <a:extLst>
+              <a:ext uri="{FF2B5EF4-FFF2-40B4-BE49-F238E27FC236}">
+                <a16:creationId xmlns:a16="http://schemas.microsoft.com/office/drawing/2014/main" id="{24F3A538-AA9F-7CF4-4189-7C21748AB7EB}"/>
+              </a:ext>
+            </a:extLst>
+          </p:cNvPr>
+          <p:cNvSpPr>
+            <a:spLocks noGrp="1"/>
+          </p:cNvSpPr>
+          <p:nvPr>
+            <p:ph idx="1"/>
+          </p:nvPr>
+        </p:nvSpPr>
+        <p:spPr/>
+        <p:txBody>
+          <a:bodyPr>
+            <a:normAutofit/>
+          </a:bodyPr>
+          <a:lstStyle/>
+          <a:p>
+            <a:pPr marL="0" indent="0">
+              <a:buNone/>
+            </a:pPr>
+            <a:r>
+              <a:rPr lang="sk-SK" sz="2800" dirty="0">
+                <a:latin typeface="Arial" panose="020B0604020202020204" pitchFamily="34" charset="0"/>
+                <a:cs typeface="Arial" panose="020B0604020202020204" pitchFamily="34" charset="0"/>
+              </a:rPr>
+              <a:t>V priebehu obhajoby lepšie objasnite problém, ktorý ste riešili v súvislosti s meraním nadmorskej výšky pomocou lokalizačného senzora.</a:t>
+            </a:r>
+          </a:p>
+        </p:txBody>
+      </p:sp>
+    </p:spTree>
+    <p:extLst>
+      <p:ext uri="{BB962C8B-B14F-4D97-AF65-F5344CB8AC3E}">
+        <p14:creationId xmlns:p14="http://schemas.microsoft.com/office/powerpoint/2010/main" val="3117620342"/>
       </p:ext>
     </p:extLst>
   </p:cSld>
@@ -6210,7 +6471,7 @@
         <p:spPr>
           <a:xfrm>
             <a:off x="1079192" y="2027034"/>
-            <a:ext cx="8915399" cy="2803931"/>
+            <a:ext cx="8915399" cy="4071762"/>
           </a:xfrm>
         </p:spPr>
         <p:txBody>
@@ -6245,47 +6506,38 @@
                 <a:effectLst/>
                 <a:latin typeface="Arial" panose="020B0604020202020204" pitchFamily="34" charset="0"/>
               </a:rPr>
-              <a:t>3. Metodológia</a:t>
+              <a:t>3. </a:t>
+            </a:r>
+            <a:r>
+              <a:rPr lang="sk-SK" sz="2800" dirty="0">
+                <a:latin typeface="Arial" panose="020B0604020202020204" pitchFamily="34" charset="0"/>
+              </a:rPr>
+              <a:t>Senzory v mobilnom zariadení</a:t>
             </a:r>
             <a:br>
               <a:rPr lang="sk-SK" sz="2800" dirty="0"/>
             </a:br>
-            <a:r>
-              <a:rPr lang="sk-SK" sz="2800" dirty="0"/>
-              <a:t>	</a:t>
-            </a:r>
             <a:r>
               <a:rPr lang="sk-SK" sz="2800" dirty="0">
                 <a:effectLst/>
                 <a:latin typeface="Arial" panose="020B0604020202020204" pitchFamily="34" charset="0"/>
               </a:rPr>
-              <a:t>a. Metóda A</a:t>
-            </a:r>
-            <a:br>
+              <a:t>4. Zbieranie dát zo senzorov a ich ukladanie do databázy</a:t>
+            </a:r>
+          </a:p>
+          <a:p>
+            <a:pPr algn="l"/>
+            <a:r>
               <a:rPr lang="sk-SK" sz="2800" dirty="0"/>
-            </a:br>
+              <a:t>5. Zobrazenie dát z databázy</a:t>
+            </a:r>
+          </a:p>
+          <a:p>
+            <a:pPr algn="l"/>
             <a:r>
               <a:rPr lang="sk-SK" sz="2800" dirty="0"/>
-              <a:t>	</a:t>
-            </a:r>
-            <a:r>
-              <a:rPr lang="sk-SK" sz="2800" dirty="0">
-                <a:effectLst/>
-                <a:latin typeface="Arial" panose="020B0604020202020204" pitchFamily="34" charset="0"/>
-              </a:rPr>
-              <a:t>b. Metóda B</a:t>
-            </a:r>
-            <a:br>
-              <a:rPr lang="sk-SK" sz="2800" dirty="0"/>
-            </a:br>
-            <a:r>
-              <a:rPr lang="sk-SK" sz="2800" dirty="0">
-                <a:effectLst/>
-                <a:latin typeface="Arial" panose="020B0604020202020204" pitchFamily="34" charset="0"/>
-              </a:rPr>
-              <a:t>4. Výsledky práce / Kritická diskusia / Prínosy práce</a:t>
-            </a:r>
-            <a:endParaRPr lang="sk-SK" sz="2800" dirty="0"/>
+              <a:t>6. Export súboru vo formáte KML</a:t>
+            </a:r>
           </a:p>
         </p:txBody>
       </p:sp>
@@ -6505,7 +6757,7 @@
         </p:spPr>
         <p:txBody>
           <a:bodyPr>
-            <a:normAutofit/>
+            <a:normAutofit fontScale="77500" lnSpcReduction="20000"/>
           </a:bodyPr>
           <a:lstStyle/>
           <a:p>
@@ -6518,7 +6770,7 @@
                 <a:latin typeface="Arial" panose="020B0604020202020204" pitchFamily="34" charset="0"/>
                 <a:cs typeface="Arial" panose="020B0604020202020204" pitchFamily="34" charset="0"/>
               </a:rPr>
-              <a:t>• stručne zadefinovať cieľ práce</a:t>
+              <a:t>• Cieľom práce bolo zaznamenávanie prejdených trás na turistike, počas cestovania a lietania lietadlom.</a:t>
             </a:r>
             <a:br>
               <a:rPr lang="sk-SK" sz="2800" dirty="0">
@@ -6541,61 +6793,77 @@
                 <a:latin typeface="Arial" panose="020B0604020202020204" pitchFamily="34" charset="0"/>
                 <a:cs typeface="Arial" panose="020B0604020202020204" pitchFamily="34" charset="0"/>
               </a:rPr>
-              <a:t>Cieľ práce je rozdelený na čiastkové ciele:</a:t>
-            </a:r>
-          </a:p>
-          <a:p>
-            <a:pPr marL="0" indent="0">
-              <a:buNone/>
+              <a:t>Cieľ práce boli rozdelené na čiastkové ciele:</a:t>
+            </a:r>
+            <a:endParaRPr lang="sk-SK" sz="2800" dirty="0">
+              <a:latin typeface="Arial" panose="020B0604020202020204" pitchFamily="34" charset="0"/>
+              <a:cs typeface="Arial" panose="020B0604020202020204" pitchFamily="34" charset="0"/>
+            </a:endParaRPr>
+          </a:p>
+          <a:p>
+            <a:pPr>
+              <a:buFont typeface="Wingdings" panose="05000000000000000000" pitchFamily="2" charset="2"/>
+              <a:buChar char="§"/>
             </a:pPr>
-            <a:br>
+            <a:r>
               <a:rPr lang="sk-SK" sz="2800" dirty="0">
                 <a:latin typeface="Arial" panose="020B0604020202020204" pitchFamily="34" charset="0"/>
                 <a:cs typeface="Arial" panose="020B0604020202020204" pitchFamily="34" charset="0"/>
               </a:rPr>
-            </a:br>
-            <a:r>
-              <a:rPr lang="sk-SK" sz="2800" dirty="0">
-                <a:effectLst/>
-                <a:latin typeface="Arial" panose="020B0604020202020204" pitchFamily="34" charset="0"/>
-                <a:cs typeface="Arial" panose="020B0604020202020204" pitchFamily="34" charset="0"/>
-              </a:rPr>
-              <a:t>1. aplikácia metód A </a:t>
-            </a:r>
-            <a:r>
-              <a:rPr lang="sk-SK" sz="2800" dirty="0" err="1">
-                <a:effectLst/>
-                <a:latin typeface="Arial" panose="020B0604020202020204" pitchFamily="34" charset="0"/>
-                <a:cs typeface="Arial" panose="020B0604020202020204" pitchFamily="34" charset="0"/>
-              </a:rPr>
-              <a:t>a</a:t>
-            </a:r>
-            <a:r>
-              <a:rPr lang="sk-SK" sz="2800" dirty="0">
-                <a:effectLst/>
-                <a:latin typeface="Arial" panose="020B0604020202020204" pitchFamily="34" charset="0"/>
-                <a:cs typeface="Arial" panose="020B0604020202020204" pitchFamily="34" charset="0"/>
-              </a:rPr>
-              <a:t> B na dáta a vyhodnotenie výsledkov</a:t>
-            </a:r>
-            <a:br>
+              <a:t>zaznamenávať údaje z mobilného zariadenia (gyroskop, GPS atď.),</a:t>
+            </a:r>
+          </a:p>
+          <a:p>
+            <a:pPr>
+              <a:buFont typeface="Wingdings" panose="05000000000000000000" pitchFamily="2" charset="2"/>
+              <a:buChar char="§"/>
+            </a:pPr>
+            <a:r>
               <a:rPr lang="sk-SK" sz="2800" dirty="0">
                 <a:latin typeface="Arial" panose="020B0604020202020204" pitchFamily="34" charset="0"/>
                 <a:cs typeface="Arial" panose="020B0604020202020204" pitchFamily="34" charset="0"/>
               </a:rPr>
-            </a:br>
+              <a:t>ukladať údaje do databázy,</a:t>
+            </a:r>
+          </a:p>
+          <a:p>
+            <a:pPr>
+              <a:buFont typeface="Wingdings" panose="05000000000000000000" pitchFamily="2" charset="2"/>
+              <a:buChar char="§"/>
+            </a:pPr>
             <a:r>
               <a:rPr lang="sk-SK" sz="2800" dirty="0">
-                <a:effectLst/>
                 <a:latin typeface="Arial" panose="020B0604020202020204" pitchFamily="34" charset="0"/>
                 <a:cs typeface="Arial" panose="020B0604020202020204" pitchFamily="34" charset="0"/>
               </a:rPr>
-              <a:t>2. návrh vlastnej metódy a jej aplikácia na dáta</a:t>
-            </a:r>
-            <a:endParaRPr lang="sk-SK" sz="2800" dirty="0">
-              <a:latin typeface="Arial" panose="020B0604020202020204" pitchFamily="34" charset="0"/>
-              <a:cs typeface="Arial" panose="020B0604020202020204" pitchFamily="34" charset="0"/>
-            </a:endParaRPr>
+              <a:t>vizualizovať aktuálnu polohu a smer pohybu,</a:t>
+            </a:r>
+          </a:p>
+          <a:p>
+            <a:pPr>
+              <a:buFont typeface="Wingdings" panose="05000000000000000000" pitchFamily="2" charset="2"/>
+              <a:buChar char="§"/>
+            </a:pPr>
+            <a:r>
+              <a:rPr lang="pl-PL" sz="2800" dirty="0">
+                <a:latin typeface="Arial" panose="020B0604020202020204" pitchFamily="34" charset="0"/>
+                <a:cs typeface="Arial" panose="020B0604020202020204" pitchFamily="34" charset="0"/>
+              </a:rPr>
+              <a:t>zobraziť ukážku prejdenej trasy na mape,</a:t>
+            </a:r>
+          </a:p>
+          <a:p>
+            <a:pPr>
+              <a:buFont typeface="Wingdings" panose="05000000000000000000" pitchFamily="2" charset="2"/>
+              <a:buChar char="§"/>
+            </a:pPr>
+            <a:r>
+              <a:rPr lang="sk-SK" sz="2800" dirty="0">
+                <a:latin typeface="Arial" panose="020B0604020202020204" pitchFamily="34" charset="0"/>
+                <a:cs typeface="Arial" panose="020B0604020202020204" pitchFamily="34" charset="0"/>
+              </a:rPr>
+              <a:t>naprogramovať vygenerovanie súboru pre vizualizáciu prejdenej trasy na rôznych systémoch</a:t>
+            </a:r>
           </a:p>
         </p:txBody>
       </p:sp>
@@ -6634,7 +6902,7 @@
           <p:cNvPr id="2" name="Nadpis 1">
             <a:extLst>
               <a:ext uri="{FF2B5EF4-FFF2-40B4-BE49-F238E27FC236}">
-                <a16:creationId xmlns:a16="http://schemas.microsoft.com/office/drawing/2014/main" id="{79A6E59B-7B09-8D2D-83B3-450A0550AC75}"/>
+                <a16:creationId xmlns:a16="http://schemas.microsoft.com/office/drawing/2014/main" id="{7DCB71CE-B8C6-F6F3-159D-2C392E4DC0C2}"/>
               </a:ext>
             </a:extLst>
           </p:cNvPr>
@@ -6651,11 +6919,10 @@
           <a:lstStyle/>
           <a:p>
             <a:r>
-              <a:rPr lang="sk-SK" dirty="0">
-                <a:effectLst/>
+              <a:rPr lang="sk-SK" sz="3600" dirty="0">
                 <a:latin typeface="Arial" panose="020B0604020202020204" pitchFamily="34" charset="0"/>
               </a:rPr>
-              <a:t>Metóda A (ukážka)</a:t>
+              <a:t>Senzory v mobilnom zariadení</a:t>
             </a:r>
             <a:endParaRPr lang="sk-SK" dirty="0"/>
           </a:p>
@@ -6666,7 +6933,7 @@
           <p:cNvPr id="3" name="Zástupný objekt pre obsah 2">
             <a:extLst>
               <a:ext uri="{FF2B5EF4-FFF2-40B4-BE49-F238E27FC236}">
-                <a16:creationId xmlns:a16="http://schemas.microsoft.com/office/drawing/2014/main" id="{3CA8A20C-8F4B-16DF-30E0-58DCB825BF48}"/>
+                <a16:creationId xmlns:a16="http://schemas.microsoft.com/office/drawing/2014/main" id="{3462DA02-754F-BF20-A1FF-0EDDAECEE12D}"/>
               </a:ext>
             </a:extLst>
           </p:cNvPr>
@@ -6679,80 +6946,253 @@
         </p:nvSpPr>
         <p:spPr>
           <a:xfrm>
-            <a:off x="677334" y="1930400"/>
+            <a:off x="677334" y="1690881"/>
             <a:ext cx="8596668" cy="3880773"/>
           </a:xfrm>
         </p:spPr>
         <p:txBody>
-          <a:bodyPr>
-            <a:normAutofit/>
-          </a:bodyPr>
+          <a:bodyPr/>
           <a:lstStyle/>
           <a:p>
             <a:pPr marL="0" indent="0">
               <a:buNone/>
             </a:pPr>
             <a:r>
-              <a:rPr lang="sk-SK" sz="2800" dirty="0">
-                <a:effectLst/>
-                <a:latin typeface="Arial" panose="020B0604020202020204" pitchFamily="34" charset="0"/>
-                <a:cs typeface="Arial" panose="020B0604020202020204" pitchFamily="34" charset="0"/>
-              </a:rPr>
-              <a:t>• metóda vhodná pre daný typ údajov</a:t>
-            </a:r>
-            <a:br>
-              <a:rPr lang="sk-SK" sz="2800" dirty="0">
-                <a:latin typeface="Arial" panose="020B0604020202020204" pitchFamily="34" charset="0"/>
-                <a:cs typeface="Arial" panose="020B0604020202020204" pitchFamily="34" charset="0"/>
-              </a:rPr>
-            </a:br>
-            <a:r>
-              <a:rPr lang="sk-SK" sz="2800" dirty="0">
-                <a:effectLst/>
-                <a:latin typeface="Arial" panose="020B0604020202020204" pitchFamily="34" charset="0"/>
-                <a:cs typeface="Arial" panose="020B0604020202020204" pitchFamily="34" charset="0"/>
-              </a:rPr>
-              <a:t>• výsledkom metódy je</a:t>
-            </a:r>
-            <a:br>
-              <a:rPr lang="sk-SK" sz="2800" dirty="0">
-                <a:latin typeface="Arial" panose="020B0604020202020204" pitchFamily="34" charset="0"/>
-                <a:cs typeface="Arial" panose="020B0604020202020204" pitchFamily="34" charset="0"/>
-              </a:rPr>
-            </a:br>
-            <a:r>
-              <a:rPr lang="sk-SK" sz="2800" dirty="0">
-                <a:effectLst/>
-                <a:latin typeface="Arial" panose="020B0604020202020204" pitchFamily="34" charset="0"/>
-                <a:cs typeface="Arial" panose="020B0604020202020204" pitchFamily="34" charset="0"/>
-              </a:rPr>
-              <a:t>• výhody metódy</a:t>
-            </a:r>
-            <a:br>
-              <a:rPr lang="sk-SK" sz="2800" dirty="0">
-                <a:latin typeface="Arial" panose="020B0604020202020204" pitchFamily="34" charset="0"/>
-                <a:cs typeface="Arial" panose="020B0604020202020204" pitchFamily="34" charset="0"/>
-              </a:rPr>
-            </a:br>
-            <a:r>
-              <a:rPr lang="sk-SK" sz="2800" dirty="0">
-                <a:effectLst/>
-                <a:latin typeface="Arial" panose="020B0604020202020204" pitchFamily="34" charset="0"/>
-                <a:cs typeface="Arial" panose="020B0604020202020204" pitchFamily="34" charset="0"/>
-              </a:rPr>
-              <a:t>• nevýhody metódy</a:t>
-            </a:r>
-            <a:endParaRPr lang="sk-SK" sz="2800" dirty="0">
-              <a:latin typeface="Arial" panose="020B0604020202020204" pitchFamily="34" charset="0"/>
-              <a:cs typeface="Arial" panose="020B0604020202020204" pitchFamily="34" charset="0"/>
-            </a:endParaRPr>
-          </a:p>
-        </p:txBody>
-      </p:sp>
+              <a:rPr lang="sk-SK" dirty="0"/>
+              <a:t>Typy senzorov v mobilnom zariadení ,ktoré používame:</a:t>
+            </a:r>
+          </a:p>
+          <a:p>
+            <a:pPr marL="0" indent="0">
+              <a:buNone/>
+            </a:pPr>
+            <a:r>
+              <a:rPr lang="sk-SK" dirty="0"/>
+              <a:t>▪ </a:t>
+            </a:r>
+            <a:r>
+              <a:rPr lang="sk-SK" dirty="0" err="1"/>
+              <a:t>Sensor.TYPE_ACCELEROMETER</a:t>
+            </a:r>
+            <a:r>
+              <a:rPr lang="sk-SK" dirty="0"/>
+              <a:t>,</a:t>
+            </a:r>
+          </a:p>
+          <a:p>
+            <a:pPr marL="0" indent="0">
+              <a:buNone/>
+            </a:pPr>
+            <a:r>
+              <a:rPr lang="sk-SK" dirty="0"/>
+              <a:t>▪ </a:t>
+            </a:r>
+            <a:r>
+              <a:rPr lang="sk-SK" dirty="0" err="1"/>
+              <a:t>Sensor.TYPE_LINEAR_ACCELERATION</a:t>
+            </a:r>
+            <a:r>
+              <a:rPr lang="sk-SK" dirty="0"/>
+              <a:t>,</a:t>
+            </a:r>
+          </a:p>
+          <a:p>
+            <a:pPr marL="0" indent="0">
+              <a:buNone/>
+            </a:pPr>
+            <a:r>
+              <a:rPr lang="sk-SK" dirty="0"/>
+              <a:t>▪ </a:t>
+            </a:r>
+            <a:r>
+              <a:rPr lang="sk-SK" dirty="0" err="1"/>
+              <a:t>Sensor.TYPE_GRAVITY</a:t>
+            </a:r>
+            <a:r>
+              <a:rPr lang="sk-SK" dirty="0"/>
+              <a:t>,</a:t>
+            </a:r>
+          </a:p>
+          <a:p>
+            <a:pPr marL="0" indent="0">
+              <a:buNone/>
+            </a:pPr>
+            <a:r>
+              <a:rPr lang="sk-SK" dirty="0"/>
+              <a:t>▪ </a:t>
+            </a:r>
+            <a:r>
+              <a:rPr lang="sk-SK" dirty="0" err="1"/>
+              <a:t>Sensor.TYPE_GYROSCOPE</a:t>
+            </a:r>
+            <a:r>
+              <a:rPr lang="sk-SK" dirty="0"/>
+              <a:t>,</a:t>
+            </a:r>
+          </a:p>
+          <a:p>
+            <a:pPr marL="0" indent="0">
+              <a:buNone/>
+            </a:pPr>
+            <a:r>
+              <a:rPr lang="sk-SK" dirty="0"/>
+              <a:t>▪ </a:t>
+            </a:r>
+            <a:r>
+              <a:rPr lang="sk-SK" dirty="0" err="1"/>
+              <a:t>Sensor.TYPE_ORIENTATION</a:t>
+            </a:r>
+            <a:r>
+              <a:rPr lang="sk-SK" dirty="0"/>
+              <a:t>,</a:t>
+            </a:r>
+          </a:p>
+          <a:p>
+            <a:pPr marL="0" indent="0">
+              <a:buNone/>
+            </a:pPr>
+            <a:r>
+              <a:rPr lang="sk-SK" dirty="0"/>
+              <a:t>▪ </a:t>
+            </a:r>
+            <a:r>
+              <a:rPr lang="sk-SK" dirty="0" err="1"/>
+              <a:t>Sensor.TYPE_ROTATION_VECTOR</a:t>
+            </a:r>
+            <a:r>
+              <a:rPr lang="sk-SK" dirty="0"/>
+              <a:t>,</a:t>
+            </a:r>
+          </a:p>
+          <a:p>
+            <a:pPr marL="0" indent="0">
+              <a:buNone/>
+            </a:pPr>
+            <a:r>
+              <a:rPr lang="sk-SK" dirty="0"/>
+              <a:t>▪ </a:t>
+            </a:r>
+            <a:r>
+              <a:rPr lang="sk-SK" dirty="0" err="1"/>
+              <a:t>Latitude</a:t>
+            </a:r>
+            <a:r>
+              <a:rPr lang="sk-SK" dirty="0"/>
+              <a:t>, </a:t>
+            </a:r>
+            <a:r>
+              <a:rPr lang="sk-SK" dirty="0" err="1"/>
+              <a:t>Longtitude</a:t>
+            </a:r>
+            <a:r>
+              <a:rPr lang="sk-SK" dirty="0"/>
+              <a:t>, </a:t>
+            </a:r>
+            <a:r>
+              <a:rPr lang="sk-SK" dirty="0" err="1"/>
+              <a:t>Altitude</a:t>
+            </a:r>
+            <a:r>
+              <a:rPr lang="sk-SK" dirty="0"/>
+              <a:t>.</a:t>
+            </a:r>
+          </a:p>
+        </p:txBody>
+      </p:sp>
+      <p:pic>
+        <p:nvPicPr>
+          <p:cNvPr id="7" name="Obrázok 6">
+            <a:extLst>
+              <a:ext uri="{FF2B5EF4-FFF2-40B4-BE49-F238E27FC236}">
+                <a16:creationId xmlns:a16="http://schemas.microsoft.com/office/drawing/2014/main" id="{7835B673-FEF1-CD11-6E62-CA1282CDA602}"/>
+              </a:ext>
+            </a:extLst>
+          </p:cNvPr>
+          <p:cNvPicPr>
+            <a:picLocks noChangeAspect="1"/>
+          </p:cNvPicPr>
+          <p:nvPr/>
+        </p:nvPicPr>
+        <p:blipFill>
+          <a:blip r:embed="rId2"/>
+          <a:stretch>
+            <a:fillRect/>
+          </a:stretch>
+        </p:blipFill>
+        <p:spPr>
+          <a:xfrm>
+            <a:off x="5691734" y="2074190"/>
+            <a:ext cx="3099929" cy="2751187"/>
+          </a:xfrm>
+          <a:prstGeom prst="rect">
+            <a:avLst/>
+          </a:prstGeom>
+        </p:spPr>
+      </p:pic>
+      <p:pic>
+        <p:nvPicPr>
+          <p:cNvPr id="9" name="Obrázok 8">
+            <a:extLst>
+              <a:ext uri="{FF2B5EF4-FFF2-40B4-BE49-F238E27FC236}">
+                <a16:creationId xmlns:a16="http://schemas.microsoft.com/office/drawing/2014/main" id="{6C2A5E57-A298-1803-D1BB-BFF4D3BA1E78}"/>
+              </a:ext>
+            </a:extLst>
+          </p:cNvPr>
+          <p:cNvPicPr>
+            <a:picLocks noChangeAspect="1"/>
+          </p:cNvPicPr>
+          <p:nvPr/>
+        </p:nvPicPr>
+        <p:blipFill>
+          <a:blip r:embed="rId3"/>
+          <a:stretch>
+            <a:fillRect/>
+          </a:stretch>
+        </p:blipFill>
+        <p:spPr>
+          <a:xfrm>
+            <a:off x="5691734" y="4962763"/>
+            <a:ext cx="3099929" cy="1690172"/>
+          </a:xfrm>
+          <a:prstGeom prst="rect">
+            <a:avLst/>
+          </a:prstGeom>
+        </p:spPr>
+      </p:pic>
+      <p:pic>
+        <p:nvPicPr>
+          <p:cNvPr id="11" name="Obrázok 10">
+            <a:extLst>
+              <a:ext uri="{FF2B5EF4-FFF2-40B4-BE49-F238E27FC236}">
+                <a16:creationId xmlns:a16="http://schemas.microsoft.com/office/drawing/2014/main" id="{CDF665EB-60FB-FFC0-5CD3-8D6AA055CBF7}"/>
+              </a:ext>
+            </a:extLst>
+          </p:cNvPr>
+          <p:cNvPicPr>
+            <a:picLocks noChangeAspect="1"/>
+          </p:cNvPicPr>
+          <p:nvPr/>
+        </p:nvPicPr>
+        <p:blipFill>
+          <a:blip r:embed="rId4"/>
+          <a:stretch>
+            <a:fillRect/>
+          </a:stretch>
+        </p:blipFill>
+        <p:spPr>
+          <a:xfrm>
+            <a:off x="677334" y="4961436"/>
+            <a:ext cx="3401350" cy="1691499"/>
+          </a:xfrm>
+          <a:prstGeom prst="rect">
+            <a:avLst/>
+          </a:prstGeom>
+        </p:spPr>
+      </p:pic>
     </p:spTree>
     <p:extLst>
       <p:ext uri="{BB962C8B-B14F-4D97-AF65-F5344CB8AC3E}">
-        <p14:creationId xmlns:p14="http://schemas.microsoft.com/office/powerpoint/2010/main" val="2254546860"/>
+        <p14:creationId xmlns:p14="http://schemas.microsoft.com/office/powerpoint/2010/main" val="1966745934"/>
       </p:ext>
     </p:extLst>
   </p:cSld>
@@ -6784,7 +7224,7 @@
           <p:cNvPr id="2" name="Nadpis 1">
             <a:extLst>
               <a:ext uri="{FF2B5EF4-FFF2-40B4-BE49-F238E27FC236}">
-                <a16:creationId xmlns:a16="http://schemas.microsoft.com/office/drawing/2014/main" id="{0FF9C450-8A84-DABB-0BE6-10932398BBC8}"/>
+                <a16:creationId xmlns:a16="http://schemas.microsoft.com/office/drawing/2014/main" id="{79A6E59B-7B09-8D2D-83B3-450A0550AC75}"/>
               </a:ext>
             </a:extLst>
           </p:cNvPr>
@@ -6795,12 +7235,32 @@
             <p:ph type="title"/>
           </p:nvPr>
         </p:nvSpPr>
-        <p:spPr/>
-        <p:txBody>
-          <a:bodyPr/>
-          <a:lstStyle/>
-          <a:p>
-            <a:endParaRPr lang="sk-SK"/>
+        <p:spPr>
+          <a:xfrm>
+            <a:off x="677334" y="609600"/>
+            <a:ext cx="4842622" cy="1320800"/>
+          </a:xfrm>
+        </p:spPr>
+        <p:txBody>
+          <a:bodyPr>
+            <a:normAutofit fontScale="90000"/>
+          </a:bodyPr>
+          <a:lstStyle/>
+          <a:p>
+            <a:r>
+              <a:rPr lang="sk-SK" sz="3600" dirty="0">
+                <a:effectLst/>
+                <a:latin typeface="Arial" panose="020B0604020202020204" pitchFamily="34" charset="0"/>
+              </a:rPr>
+              <a:t>Zbieranie dát zo senzorov a ich ukladanie do databázy</a:t>
+            </a:r>
+            <a:br>
+              <a:rPr lang="sk-SK" sz="3600" dirty="0">
+                <a:effectLst/>
+                <a:latin typeface="Arial" panose="020B0604020202020204" pitchFamily="34" charset="0"/>
+              </a:rPr>
+            </a:br>
+            <a:endParaRPr lang="sk-SK" dirty="0"/>
           </a:p>
         </p:txBody>
       </p:sp>
@@ -6809,7 +7269,7 @@
           <p:cNvPr id="3" name="Zástupný objekt pre obsah 2">
             <a:extLst>
               <a:ext uri="{FF2B5EF4-FFF2-40B4-BE49-F238E27FC236}">
-                <a16:creationId xmlns:a16="http://schemas.microsoft.com/office/drawing/2014/main" id="{2109329C-16DC-BFB6-E440-78A40BDF1534}"/>
+                <a16:creationId xmlns:a16="http://schemas.microsoft.com/office/drawing/2014/main" id="{3CA8A20C-8F4B-16DF-30E0-58DCB825BF48}"/>
               </a:ext>
             </a:extLst>
           </p:cNvPr>
@@ -6820,19 +7280,90 @@
             <p:ph idx="1"/>
           </p:nvPr>
         </p:nvSpPr>
-        <p:spPr/>
-        <p:txBody>
-          <a:bodyPr/>
-          <a:lstStyle/>
-          <a:p>
-            <a:endParaRPr lang="sk-SK"/>
-          </a:p>
-        </p:txBody>
-      </p:sp>
+        <p:spPr>
+          <a:xfrm>
+            <a:off x="677334" y="2734811"/>
+            <a:ext cx="4918123" cy="3076362"/>
+          </a:xfrm>
+        </p:spPr>
+        <p:txBody>
+          <a:bodyPr>
+            <a:normAutofit/>
+          </a:bodyPr>
+          <a:lstStyle/>
+          <a:p>
+            <a:pPr marL="0" indent="0">
+              <a:buNone/>
+            </a:pPr>
+            <a:r>
+              <a:rPr lang="sk-SK" sz="2800" dirty="0">
+                <a:effectLst/>
+                <a:latin typeface="Arial" panose="020B0604020202020204" pitchFamily="34" charset="0"/>
+                <a:cs typeface="Arial" panose="020B0604020202020204" pitchFamily="34" charset="0"/>
+              </a:rPr>
+              <a:t>• údaje zo senzorov</a:t>
+            </a:r>
+            <a:br>
+              <a:rPr lang="sk-SK" sz="2800" dirty="0">
+                <a:latin typeface="Arial" panose="020B0604020202020204" pitchFamily="34" charset="0"/>
+                <a:cs typeface="Arial" panose="020B0604020202020204" pitchFamily="34" charset="0"/>
+              </a:rPr>
+            </a:br>
+            <a:r>
+              <a:rPr lang="sk-SK" sz="2800" dirty="0">
+                <a:effectLst/>
+                <a:latin typeface="Arial" panose="020B0604020202020204" pitchFamily="34" charset="0"/>
+                <a:cs typeface="Arial" panose="020B0604020202020204" pitchFamily="34" charset="0"/>
+              </a:rPr>
+              <a:t>• vytvoriť databázu</a:t>
+            </a:r>
+            <a:br>
+              <a:rPr lang="sk-SK" sz="2800" dirty="0">
+                <a:latin typeface="Arial" panose="020B0604020202020204" pitchFamily="34" charset="0"/>
+                <a:cs typeface="Arial" panose="020B0604020202020204" pitchFamily="34" charset="0"/>
+              </a:rPr>
+            </a:br>
+            <a:endParaRPr lang="sk-SK" sz="2800" dirty="0">
+              <a:latin typeface="Arial" panose="020B0604020202020204" pitchFamily="34" charset="0"/>
+              <a:cs typeface="Arial" panose="020B0604020202020204" pitchFamily="34" charset="0"/>
+            </a:endParaRPr>
+          </a:p>
+        </p:txBody>
+      </p:sp>
+      <p:pic>
+        <p:nvPicPr>
+          <p:cNvPr id="5" name="Obrázok 4">
+            <a:extLst>
+              <a:ext uri="{FF2B5EF4-FFF2-40B4-BE49-F238E27FC236}">
+                <a16:creationId xmlns:a16="http://schemas.microsoft.com/office/drawing/2014/main" id="{7F714BA3-FC34-097A-C7B0-337F0B464077}"/>
+              </a:ext>
+            </a:extLst>
+          </p:cNvPr>
+          <p:cNvPicPr>
+            <a:picLocks noChangeAspect="1"/>
+          </p:cNvPicPr>
+          <p:nvPr/>
+        </p:nvPicPr>
+        <p:blipFill>
+          <a:blip r:embed="rId2"/>
+          <a:stretch>
+            <a:fillRect/>
+          </a:stretch>
+        </p:blipFill>
+        <p:spPr>
+          <a:xfrm>
+            <a:off x="5519955" y="609599"/>
+            <a:ext cx="3414319" cy="5950591"/>
+          </a:xfrm>
+          <a:prstGeom prst="rect">
+            <a:avLst/>
+          </a:prstGeom>
+        </p:spPr>
+      </p:pic>
     </p:spTree>
     <p:extLst>
       <p:ext uri="{BB962C8B-B14F-4D97-AF65-F5344CB8AC3E}">
-        <p14:creationId xmlns:p14="http://schemas.microsoft.com/office/powerpoint/2010/main" val="2471302637"/>
+        <p14:creationId xmlns:p14="http://schemas.microsoft.com/office/powerpoint/2010/main" val="2254546860"/>
       </p:ext>
     </p:extLst>
   </p:cSld>
@@ -6864,7 +7395,7 @@
           <p:cNvPr id="2" name="Nadpis 1">
             <a:extLst>
               <a:ext uri="{FF2B5EF4-FFF2-40B4-BE49-F238E27FC236}">
-                <a16:creationId xmlns:a16="http://schemas.microsoft.com/office/drawing/2014/main" id="{4521DE4E-02CA-3E53-35C4-E1901B0FB8AE}"/>
+                <a16:creationId xmlns:a16="http://schemas.microsoft.com/office/drawing/2014/main" id="{0FF9C450-8A84-DABB-0BE6-10932398BBC8}"/>
               </a:ext>
             </a:extLst>
           </p:cNvPr>
@@ -6881,100 +7412,49 @@
           <a:lstStyle/>
           <a:p>
             <a:r>
-              <a:rPr lang="sk-SK" dirty="0">
-                <a:effectLst/>
-                <a:latin typeface="Arial" panose="020B0604020202020204" pitchFamily="34" charset="0"/>
-              </a:rPr>
-              <a:t>Diskusia / Zhrnutie výsledkov (ukážka)</a:t>
+              <a:rPr lang="sk-SK" sz="3600" dirty="0"/>
+              <a:t>Zobrazenie dát z databázy</a:t>
             </a:r>
             <a:br>
-              <a:rPr lang="sk-SK" dirty="0">
-                <a:effectLst/>
-                <a:latin typeface="Arial" panose="020B0604020202020204" pitchFamily="34" charset="0"/>
-              </a:rPr>
+              <a:rPr lang="sk-SK" sz="3600" dirty="0"/>
             </a:br>
             <a:endParaRPr lang="sk-SK" dirty="0"/>
           </a:p>
         </p:txBody>
       </p:sp>
-      <p:sp>
-        <p:nvSpPr>
-          <p:cNvPr id="3" name="Zástupný objekt pre obsah 2">
+      <p:pic>
+        <p:nvPicPr>
+          <p:cNvPr id="7" name="Zástupný objekt pre obsah 6">
             <a:extLst>
               <a:ext uri="{FF2B5EF4-FFF2-40B4-BE49-F238E27FC236}">
-                <a16:creationId xmlns:a16="http://schemas.microsoft.com/office/drawing/2014/main" id="{7BDC088F-D525-6D78-F4BB-EED0EAA655FB}"/>
+                <a16:creationId xmlns:a16="http://schemas.microsoft.com/office/drawing/2014/main" id="{51FC5EBD-60E9-EA16-2AC9-46D6B8D11546}"/>
               </a:ext>
             </a:extLst>
           </p:cNvPr>
-          <p:cNvSpPr>
-            <a:spLocks noGrp="1"/>
-          </p:cNvSpPr>
+          <p:cNvPicPr>
+            <a:picLocks noGrp="1" noChangeAspect="1"/>
+          </p:cNvPicPr>
           <p:nvPr>
             <p:ph idx="1"/>
           </p:nvPr>
-        </p:nvSpPr>
+        </p:nvPicPr>
+        <p:blipFill>
+          <a:blip r:embed="rId2"/>
+          <a:stretch>
+            <a:fillRect/>
+          </a:stretch>
+        </p:blipFill>
         <p:spPr>
           <a:xfrm>
-            <a:off x="677334" y="2160589"/>
-            <a:ext cx="8819004" cy="3880773"/>
+            <a:off x="811557" y="1380411"/>
+            <a:ext cx="2908407" cy="5146223"/>
           </a:xfrm>
         </p:spPr>
-        <p:txBody>
-          <a:bodyPr>
-            <a:normAutofit/>
-          </a:bodyPr>
-          <a:lstStyle/>
-          <a:p>
-            <a:pPr marL="0" indent="0">
-              <a:buNone/>
-            </a:pPr>
-            <a:r>
-              <a:rPr lang="sk-SK" sz="2800" dirty="0">
-                <a:effectLst/>
-                <a:latin typeface="Arial" panose="020B0604020202020204" pitchFamily="34" charset="0"/>
-                <a:cs typeface="Arial" panose="020B0604020202020204" pitchFamily="34" charset="0"/>
-              </a:rPr>
-              <a:t>• skúmané metódy boli porovnané z rôznych hľadísk</a:t>
-            </a:r>
-            <a:br>
-              <a:rPr lang="sk-SK" sz="2800" dirty="0">
-                <a:latin typeface="Arial" panose="020B0604020202020204" pitchFamily="34" charset="0"/>
-                <a:cs typeface="Arial" panose="020B0604020202020204" pitchFamily="34" charset="0"/>
-              </a:rPr>
-            </a:br>
-            <a:r>
-              <a:rPr lang="sk-SK" sz="2800" dirty="0">
-                <a:effectLst/>
-                <a:latin typeface="Arial" panose="020B0604020202020204" pitchFamily="34" charset="0"/>
-                <a:cs typeface="Arial" panose="020B0604020202020204" pitchFamily="34" charset="0"/>
-              </a:rPr>
-              <a:t>• prínosom pre prax je použitie novej metódy, ktorá je efektívnejšia</a:t>
-            </a:r>
-            <a:br>
-              <a:rPr lang="sk-SK" sz="2800" dirty="0">
-                <a:latin typeface="Arial" panose="020B0604020202020204" pitchFamily="34" charset="0"/>
-                <a:cs typeface="Arial" panose="020B0604020202020204" pitchFamily="34" charset="0"/>
-              </a:rPr>
-            </a:br>
-            <a:r>
-              <a:rPr lang="sk-SK" sz="2800" dirty="0">
-                <a:effectLst/>
-                <a:latin typeface="Arial" panose="020B0604020202020204" pitchFamily="34" charset="0"/>
-                <a:cs typeface="Arial" panose="020B0604020202020204" pitchFamily="34" charset="0"/>
-              </a:rPr>
-              <a:t>• nevýhodou novej metódy je časová náročnosť</a:t>
-            </a:r>
-            <a:endParaRPr lang="sk-SK" sz="2800" dirty="0">
-              <a:latin typeface="Arial" panose="020B0604020202020204" pitchFamily="34" charset="0"/>
-              <a:cs typeface="Arial" panose="020B0604020202020204" pitchFamily="34" charset="0"/>
-            </a:endParaRPr>
-          </a:p>
-        </p:txBody>
-      </p:sp>
+      </p:pic>
     </p:spTree>
     <p:extLst>
       <p:ext uri="{BB962C8B-B14F-4D97-AF65-F5344CB8AC3E}">
-        <p14:creationId xmlns:p14="http://schemas.microsoft.com/office/powerpoint/2010/main" val="2214944782"/>
+        <p14:creationId xmlns:p14="http://schemas.microsoft.com/office/powerpoint/2010/main" val="2471302637"/>
       </p:ext>
     </p:extLst>
   </p:cSld>
@@ -7006,7 +7486,7 @@
           <p:cNvPr id="2" name="Nadpis 1">
             <a:extLst>
               <a:ext uri="{FF2B5EF4-FFF2-40B4-BE49-F238E27FC236}">
-                <a16:creationId xmlns:a16="http://schemas.microsoft.com/office/drawing/2014/main" id="{BE7A0427-3EF1-5F8B-2735-798D4C69A382}"/>
+                <a16:creationId xmlns:a16="http://schemas.microsoft.com/office/drawing/2014/main" id="{4521DE4E-02CA-3E53-35C4-E1901B0FB8AE}"/>
               </a:ext>
             </a:extLst>
           </p:cNvPr>
@@ -7017,34 +7497,106 @@
             <p:ph type="title"/>
           </p:nvPr>
         </p:nvSpPr>
-        <p:spPr>
-          <a:xfrm>
-            <a:off x="1432343" y="0"/>
-            <a:ext cx="8491833" cy="6858000"/>
-          </a:xfrm>
-        </p:spPr>
-        <p:txBody>
-          <a:bodyPr anchor="ctr">
-            <a:noAutofit/>
-          </a:bodyPr>
-          <a:lstStyle/>
-          <a:p>
-            <a:pPr algn="ctr"/>
-            <a:r>
-              <a:rPr lang="sk-SK" sz="4800" dirty="0">
+        <p:spPr/>
+        <p:txBody>
+          <a:bodyPr/>
+          <a:lstStyle/>
+          <a:p>
+            <a:r>
+              <a:rPr lang="sk-SK" dirty="0">
                 <a:effectLst/>
                 <a:latin typeface="Arial" panose="020B0604020202020204" pitchFamily="34" charset="0"/>
               </a:rPr>
-              <a:t>Ďakujem za pozornosť!</a:t>
-            </a:r>
-            <a:endParaRPr lang="sk-SK" sz="4800" dirty="0"/>
+              <a:t>Export súboru vo formáte KML</a:t>
+            </a:r>
+            <a:br>
+              <a:rPr lang="sk-SK" dirty="0">
+                <a:effectLst/>
+                <a:latin typeface="Arial" panose="020B0604020202020204" pitchFamily="34" charset="0"/>
+              </a:rPr>
+            </a:br>
+            <a:endParaRPr lang="sk-SK" dirty="0"/>
+          </a:p>
+        </p:txBody>
+      </p:sp>
+      <p:sp>
+        <p:nvSpPr>
+          <p:cNvPr id="3" name="Zástupný objekt pre obsah 2">
+            <a:extLst>
+              <a:ext uri="{FF2B5EF4-FFF2-40B4-BE49-F238E27FC236}">
+                <a16:creationId xmlns:a16="http://schemas.microsoft.com/office/drawing/2014/main" id="{7BDC088F-D525-6D78-F4BB-EED0EAA655FB}"/>
+              </a:ext>
+            </a:extLst>
+          </p:cNvPr>
+          <p:cNvSpPr>
+            <a:spLocks noGrp="1"/>
+          </p:cNvSpPr>
+          <p:nvPr>
+            <p:ph idx="1"/>
+          </p:nvPr>
+        </p:nvSpPr>
+        <p:spPr>
+          <a:xfrm>
+            <a:off x="677334" y="2160589"/>
+            <a:ext cx="8819004" cy="3880773"/>
+          </a:xfrm>
+        </p:spPr>
+        <p:txBody>
+          <a:bodyPr>
+            <a:normAutofit/>
+          </a:bodyPr>
+          <a:lstStyle/>
+          <a:p>
+            <a:pPr marL="0" indent="0">
+              <a:buNone/>
+            </a:pPr>
+            <a:r>
+              <a:rPr lang="sk-SK" sz="2800" dirty="0">
+                <a:effectLst/>
+                <a:latin typeface="Arial" panose="020B0604020202020204" pitchFamily="34" charset="0"/>
+                <a:cs typeface="Arial" panose="020B0604020202020204" pitchFamily="34" charset="0"/>
+              </a:rPr>
+              <a:t>• skúmané metódy boli porovnané z rôznych hľadísk</a:t>
+            </a:r>
+            <a:br>
+              <a:rPr lang="sk-SK" sz="2800" dirty="0">
+                <a:latin typeface="Arial" panose="020B0604020202020204" pitchFamily="34" charset="0"/>
+                <a:cs typeface="Arial" panose="020B0604020202020204" pitchFamily="34" charset="0"/>
+              </a:rPr>
+            </a:br>
+            <a:r>
+              <a:rPr lang="sk-SK" sz="2800" dirty="0">
+                <a:effectLst/>
+                <a:latin typeface="Arial" panose="020B0604020202020204" pitchFamily="34" charset="0"/>
+                <a:cs typeface="Arial" panose="020B0604020202020204" pitchFamily="34" charset="0"/>
+              </a:rPr>
+              <a:t>• prínosom pre prax je použitie novej metódy, ktorá je efektívnejšia</a:t>
+            </a:r>
+            <a:br>
+              <a:rPr lang="sk-SK" sz="2800" dirty="0">
+                <a:latin typeface="Arial" panose="020B0604020202020204" pitchFamily="34" charset="0"/>
+                <a:cs typeface="Arial" panose="020B0604020202020204" pitchFamily="34" charset="0"/>
+              </a:rPr>
+            </a:br>
+            <a:r>
+              <a:rPr lang="sk-SK" sz="2800" dirty="0">
+                <a:effectLst/>
+                <a:latin typeface="Arial" panose="020B0604020202020204" pitchFamily="34" charset="0"/>
+                <a:cs typeface="Arial" panose="020B0604020202020204" pitchFamily="34" charset="0"/>
+              </a:rPr>
+              <a:t>• nevýhodou novej metódy je časová náročnosť</a:t>
+            </a:r>
+            <a:endParaRPr lang="sk-SK" sz="2800" dirty="0">
+              <a:latin typeface="Arial" panose="020B0604020202020204" pitchFamily="34" charset="0"/>
+              <a:cs typeface="Arial" panose="020B0604020202020204" pitchFamily="34" charset="0"/>
+            </a:endParaRPr>
           </a:p>
         </p:txBody>
       </p:sp>
     </p:spTree>
     <p:extLst>
       <p:ext uri="{BB962C8B-B14F-4D97-AF65-F5344CB8AC3E}">
-        <p14:creationId xmlns:p14="http://schemas.microsoft.com/office/powerpoint/2010/main" val="4247286590"/>
+        <p14:creationId xmlns:p14="http://schemas.microsoft.com/office/powerpoint/2010/main" val="2214944782"/>
       </p:ext>
     </p:extLst>
   </p:cSld>
@@ -7076,7 +7628,7 @@
           <p:cNvPr id="2" name="Nadpis 1">
             <a:extLst>
               <a:ext uri="{FF2B5EF4-FFF2-40B4-BE49-F238E27FC236}">
-                <a16:creationId xmlns:a16="http://schemas.microsoft.com/office/drawing/2014/main" id="{B1071283-7BD3-A9BD-DF2F-7AA61E36D5BE}"/>
+                <a16:creationId xmlns:a16="http://schemas.microsoft.com/office/drawing/2014/main" id="{BE7A0427-3EF1-5F8B-2735-798D4C69A382}"/>
               </a:ext>
             </a:extLst>
           </p:cNvPr>
@@ -7087,120 +7639,34 @@
             <p:ph type="title"/>
           </p:nvPr>
         </p:nvSpPr>
-        <p:spPr/>
-        <p:txBody>
-          <a:bodyPr/>
-          <a:lstStyle/>
-          <a:p>
-            <a:r>
-              <a:rPr lang="sk-SK" dirty="0">
+        <p:spPr>
+          <a:xfrm>
+            <a:off x="1432343" y="0"/>
+            <a:ext cx="8491833" cy="6858000"/>
+          </a:xfrm>
+        </p:spPr>
+        <p:txBody>
+          <a:bodyPr anchor="ctr">
+            <a:noAutofit/>
+          </a:bodyPr>
+          <a:lstStyle/>
+          <a:p>
+            <a:pPr algn="ctr"/>
+            <a:r>
+              <a:rPr lang="sk-SK" sz="4800" dirty="0">
                 <a:effectLst/>
                 <a:latin typeface="Arial" panose="020B0604020202020204" pitchFamily="34" charset="0"/>
               </a:rPr>
-              <a:t>Otázky oponenta</a:t>
-            </a:r>
-            <a:endParaRPr lang="sk-SK" dirty="0"/>
-          </a:p>
-        </p:txBody>
-      </p:sp>
-      <p:sp>
-        <p:nvSpPr>
-          <p:cNvPr id="3" name="Zástupný objekt pre obsah 2">
-            <a:extLst>
-              <a:ext uri="{FF2B5EF4-FFF2-40B4-BE49-F238E27FC236}">
-                <a16:creationId xmlns:a16="http://schemas.microsoft.com/office/drawing/2014/main" id="{FFC5C904-7B4C-0072-B714-293E8E03ED63}"/>
-              </a:ext>
-            </a:extLst>
-          </p:cNvPr>
-          <p:cNvSpPr>
-            <a:spLocks noGrp="1"/>
-          </p:cNvSpPr>
-          <p:nvPr>
-            <p:ph idx="1"/>
-          </p:nvPr>
-        </p:nvSpPr>
-        <p:spPr/>
-        <p:txBody>
-          <a:bodyPr/>
-          <a:lstStyle/>
-          <a:p>
-            <a:pPr marL="0" indent="0">
-              <a:buNone/>
-            </a:pPr>
-            <a:r>
-              <a:rPr lang="sk-SK" sz="2800" dirty="0">
-                <a:effectLst/>
-                <a:latin typeface="Arial" panose="020B0604020202020204" pitchFamily="34" charset="0"/>
-              </a:rPr>
-              <a:t>Otázka 1: </a:t>
-            </a:r>
-          </a:p>
-          <a:p>
-            <a:pPr marL="0" indent="0">
-              <a:buNone/>
-            </a:pPr>
-            <a:endParaRPr lang="sk-SK" sz="2800" dirty="0">
-              <a:latin typeface="Arial" panose="020B0604020202020204" pitchFamily="34" charset="0"/>
-            </a:endParaRPr>
-          </a:p>
-          <a:p>
-            <a:pPr marL="0" indent="0">
-              <a:buNone/>
-            </a:pPr>
-            <a:r>
-              <a:rPr lang="sk-SK" sz="2800" dirty="0">
-                <a:effectLst/>
-                <a:latin typeface="Arial" panose="020B0604020202020204" pitchFamily="34" charset="0"/>
-              </a:rPr>
-              <a:t>Zrealizujte záznam trasy pomocou vytvorenej aplikácie. Vizualizujte zozbierané dáta s využitím v práci spomínanej služby Google </a:t>
-            </a:r>
-            <a:r>
-              <a:rPr lang="sk-SK" sz="2800" dirty="0" err="1">
-                <a:effectLst/>
-                <a:latin typeface="Arial" panose="020B0604020202020204" pitchFamily="34" charset="0"/>
-              </a:rPr>
-              <a:t>Earth</a:t>
-            </a:r>
-            <a:r>
-              <a:rPr lang="sk-SK" sz="2800" dirty="0">
-                <a:effectLst/>
-                <a:latin typeface="Arial" panose="020B0604020202020204" pitchFamily="34" charset="0"/>
-              </a:rPr>
-              <a:t>. </a:t>
-            </a:r>
-          </a:p>
-          <a:p>
-            <a:pPr marL="0" indent="0">
-              <a:buNone/>
-            </a:pPr>
-            <a:r>
-              <a:rPr lang="sk-SK" sz="2800" dirty="0">
-                <a:effectLst/>
-                <a:latin typeface="Arial" panose="020B0604020202020204" pitchFamily="34" charset="0"/>
-              </a:rPr>
-              <a:t>Aké informácie možno zo zozbieraných dát zistiť?</a:t>
-            </a:r>
-          </a:p>
-          <a:p>
-            <a:pPr marL="0" indent="0">
-              <a:buNone/>
-            </a:pPr>
-            <a:endParaRPr lang="sk-SK" dirty="0">
-              <a:latin typeface="Arial" panose="020B0604020202020204" pitchFamily="34" charset="0"/>
-            </a:endParaRPr>
-          </a:p>
-          <a:p>
-            <a:pPr marL="0" indent="0">
-              <a:buNone/>
-            </a:pPr>
-            <a:endParaRPr lang="sk-SK" dirty="0"/>
+              <a:t>Ďakujem za pozornosť!</a:t>
+            </a:r>
+            <a:endParaRPr lang="sk-SK" sz="4800" dirty="0"/>
           </a:p>
         </p:txBody>
       </p:sp>
     </p:spTree>
     <p:extLst>
       <p:ext uri="{BB962C8B-B14F-4D97-AF65-F5344CB8AC3E}">
-        <p14:creationId xmlns:p14="http://schemas.microsoft.com/office/powerpoint/2010/main" val="220308034"/>
+        <p14:creationId xmlns:p14="http://schemas.microsoft.com/office/powerpoint/2010/main" val="4247286590"/>
       </p:ext>
     </p:extLst>
   </p:cSld>

--- a/Prezentacia_Vrták_Martin.pptx
+++ b/Prezentacia_Vrták_Martin.pptx
@@ -12,11 +12,12 @@
     <p:sldId id="267" r:id="rId6"/>
     <p:sldId id="260" r:id="rId7"/>
     <p:sldId id="261" r:id="rId8"/>
-    <p:sldId id="262" r:id="rId9"/>
-    <p:sldId id="263" r:id="rId10"/>
-    <p:sldId id="264" r:id="rId11"/>
-    <p:sldId id="265" r:id="rId12"/>
-    <p:sldId id="266" r:id="rId13"/>
+    <p:sldId id="268" r:id="rId9"/>
+    <p:sldId id="262" r:id="rId10"/>
+    <p:sldId id="263" r:id="rId11"/>
+    <p:sldId id="264" r:id="rId12"/>
+    <p:sldId id="265" r:id="rId13"/>
+    <p:sldId id="266" r:id="rId14"/>
   </p:sldIdLst>
   <p:sldSz cx="12192000" cy="6858000"/>
   <p:notesSz cx="6858000" cy="9144000"/>
@@ -125,7 +126,7 @@
 
 <file path=ppt/commentAuthors.xml><?xml version="1.0" encoding="utf-8"?>
 <p:cmAuthorLst xmlns:a="http://schemas.openxmlformats.org/drawingml/2006/main" xmlns:r="http://schemas.openxmlformats.org/officeDocument/2006/relationships" xmlns:p="http://schemas.openxmlformats.org/presentationml/2006/main">
-  <p:cmAuthor id="1" name="Martin Vrtak" initials="MV" lastIdx="1" clrIdx="0">
+  <p:cmAuthor id="1" name="Martin Vrtak" initials="MV" lastIdx="2" clrIdx="0">
     <p:extLst>
       <p:ext uri="{19B8F6BF-5375-455C-9EA6-DF929625EA0E}">
         <p15:presenceInfo xmlns:p15="http://schemas.microsoft.com/office/powerpoint/2012/main" userId="S::martin.vrtak@visunum.com::d2a7c773-ce32-4931-9902-dc41f466652b" providerId="AD"/>
@@ -6028,7 +6029,7 @@
           <p:cNvPr id="2" name="Nadpis 1">
             <a:extLst>
               <a:ext uri="{FF2B5EF4-FFF2-40B4-BE49-F238E27FC236}">
-                <a16:creationId xmlns:a16="http://schemas.microsoft.com/office/drawing/2014/main" id="{B1071283-7BD3-A9BD-DF2F-7AA61E36D5BE}"/>
+                <a16:creationId xmlns:a16="http://schemas.microsoft.com/office/drawing/2014/main" id="{BE7A0427-3EF1-5F8B-2735-798D4C69A382}"/>
               </a:ext>
             </a:extLst>
           </p:cNvPr>
@@ -6039,120 +6040,34 @@
             <p:ph type="title"/>
           </p:nvPr>
         </p:nvSpPr>
-        <p:spPr/>
-        <p:txBody>
-          <a:bodyPr/>
-          <a:lstStyle/>
-          <a:p>
-            <a:r>
-              <a:rPr lang="sk-SK" dirty="0">
+        <p:spPr>
+          <a:xfrm>
+            <a:off x="1432343" y="0"/>
+            <a:ext cx="8491833" cy="6858000"/>
+          </a:xfrm>
+        </p:spPr>
+        <p:txBody>
+          <a:bodyPr anchor="ctr">
+            <a:noAutofit/>
+          </a:bodyPr>
+          <a:lstStyle/>
+          <a:p>
+            <a:pPr algn="ctr"/>
+            <a:r>
+              <a:rPr lang="sk-SK" sz="4800" dirty="0">
                 <a:effectLst/>
                 <a:latin typeface="Arial" panose="020B0604020202020204" pitchFamily="34" charset="0"/>
               </a:rPr>
-              <a:t>Otázky oponenta</a:t>
-            </a:r>
-            <a:endParaRPr lang="sk-SK" dirty="0"/>
-          </a:p>
-        </p:txBody>
-      </p:sp>
-      <p:sp>
-        <p:nvSpPr>
-          <p:cNvPr id="3" name="Zástupný objekt pre obsah 2">
-            <a:extLst>
-              <a:ext uri="{FF2B5EF4-FFF2-40B4-BE49-F238E27FC236}">
-                <a16:creationId xmlns:a16="http://schemas.microsoft.com/office/drawing/2014/main" id="{FFC5C904-7B4C-0072-B714-293E8E03ED63}"/>
-              </a:ext>
-            </a:extLst>
-          </p:cNvPr>
-          <p:cNvSpPr>
-            <a:spLocks noGrp="1"/>
-          </p:cNvSpPr>
-          <p:nvPr>
-            <p:ph idx="1"/>
-          </p:nvPr>
-        </p:nvSpPr>
-        <p:spPr/>
-        <p:txBody>
-          <a:bodyPr/>
-          <a:lstStyle/>
-          <a:p>
-            <a:pPr marL="0" indent="0">
-              <a:buNone/>
-            </a:pPr>
-            <a:r>
-              <a:rPr lang="sk-SK" sz="2800" dirty="0">
-                <a:effectLst/>
-                <a:latin typeface="Arial" panose="020B0604020202020204" pitchFamily="34" charset="0"/>
-              </a:rPr>
-              <a:t>Otázka 1: </a:t>
-            </a:r>
-          </a:p>
-          <a:p>
-            <a:pPr marL="0" indent="0">
-              <a:buNone/>
-            </a:pPr>
-            <a:endParaRPr lang="sk-SK" sz="2800" dirty="0">
-              <a:latin typeface="Arial" panose="020B0604020202020204" pitchFamily="34" charset="0"/>
-            </a:endParaRPr>
-          </a:p>
-          <a:p>
-            <a:pPr marL="0" indent="0">
-              <a:buNone/>
-            </a:pPr>
-            <a:r>
-              <a:rPr lang="sk-SK" sz="2800" dirty="0">
-                <a:effectLst/>
-                <a:latin typeface="Arial" panose="020B0604020202020204" pitchFamily="34" charset="0"/>
-              </a:rPr>
-              <a:t>Zrealizujte záznam trasy pomocou vytvorenej aplikácie. Vizualizujte zozbierané dáta s využitím v práci spomínanej služby Google </a:t>
-            </a:r>
-            <a:r>
-              <a:rPr lang="sk-SK" sz="2800" dirty="0" err="1">
-                <a:effectLst/>
-                <a:latin typeface="Arial" panose="020B0604020202020204" pitchFamily="34" charset="0"/>
-              </a:rPr>
-              <a:t>Earth</a:t>
-            </a:r>
-            <a:r>
-              <a:rPr lang="sk-SK" sz="2800" dirty="0">
-                <a:effectLst/>
-                <a:latin typeface="Arial" panose="020B0604020202020204" pitchFamily="34" charset="0"/>
-              </a:rPr>
-              <a:t>. </a:t>
-            </a:r>
-          </a:p>
-          <a:p>
-            <a:pPr marL="0" indent="0">
-              <a:buNone/>
-            </a:pPr>
-            <a:r>
-              <a:rPr lang="sk-SK" sz="2800" dirty="0">
-                <a:effectLst/>
-                <a:latin typeface="Arial" panose="020B0604020202020204" pitchFamily="34" charset="0"/>
-              </a:rPr>
-              <a:t>Aké informácie možno zo zozbieraných dát zistiť?</a:t>
-            </a:r>
-          </a:p>
-          <a:p>
-            <a:pPr marL="0" indent="0">
-              <a:buNone/>
-            </a:pPr>
-            <a:endParaRPr lang="sk-SK" dirty="0">
-              <a:latin typeface="Arial" panose="020B0604020202020204" pitchFamily="34" charset="0"/>
-            </a:endParaRPr>
-          </a:p>
-          <a:p>
-            <a:pPr marL="0" indent="0">
-              <a:buNone/>
-            </a:pPr>
-            <a:endParaRPr lang="sk-SK" dirty="0"/>
+              <a:t>Ďakujem za pozornosť!</a:t>
+            </a:r>
+            <a:endParaRPr lang="sk-SK" sz="4800" dirty="0"/>
           </a:p>
         </p:txBody>
       </p:sp>
     </p:spTree>
     <p:extLst>
       <p:ext uri="{BB962C8B-B14F-4D97-AF65-F5344CB8AC3E}">
-        <p14:creationId xmlns:p14="http://schemas.microsoft.com/office/powerpoint/2010/main" val="220308034"/>
+        <p14:creationId xmlns:p14="http://schemas.microsoft.com/office/powerpoint/2010/main" val="4247286590"/>
       </p:ext>
     </p:extLst>
   </p:cSld>
@@ -6184,6 +6099,162 @@
           <p:cNvPr id="2" name="Nadpis 1">
             <a:extLst>
               <a:ext uri="{FF2B5EF4-FFF2-40B4-BE49-F238E27FC236}">
+                <a16:creationId xmlns:a16="http://schemas.microsoft.com/office/drawing/2014/main" id="{B1071283-7BD3-A9BD-DF2F-7AA61E36D5BE}"/>
+              </a:ext>
+            </a:extLst>
+          </p:cNvPr>
+          <p:cNvSpPr>
+            <a:spLocks noGrp="1"/>
+          </p:cNvSpPr>
+          <p:nvPr>
+            <p:ph type="title"/>
+          </p:nvPr>
+        </p:nvSpPr>
+        <p:spPr/>
+        <p:txBody>
+          <a:bodyPr/>
+          <a:lstStyle/>
+          <a:p>
+            <a:r>
+              <a:rPr lang="sk-SK" dirty="0">
+                <a:effectLst/>
+                <a:latin typeface="Arial" panose="020B0604020202020204" pitchFamily="34" charset="0"/>
+              </a:rPr>
+              <a:t>Otázky oponenta</a:t>
+            </a:r>
+            <a:endParaRPr lang="sk-SK" dirty="0"/>
+          </a:p>
+        </p:txBody>
+      </p:sp>
+      <p:sp>
+        <p:nvSpPr>
+          <p:cNvPr id="3" name="Zástupný objekt pre obsah 2">
+            <a:extLst>
+              <a:ext uri="{FF2B5EF4-FFF2-40B4-BE49-F238E27FC236}">
+                <a16:creationId xmlns:a16="http://schemas.microsoft.com/office/drawing/2014/main" id="{FFC5C904-7B4C-0072-B714-293E8E03ED63}"/>
+              </a:ext>
+            </a:extLst>
+          </p:cNvPr>
+          <p:cNvSpPr>
+            <a:spLocks noGrp="1"/>
+          </p:cNvSpPr>
+          <p:nvPr>
+            <p:ph idx="1"/>
+          </p:nvPr>
+        </p:nvSpPr>
+        <p:spPr/>
+        <p:txBody>
+          <a:bodyPr/>
+          <a:lstStyle/>
+          <a:p>
+            <a:pPr marL="0" indent="0">
+              <a:buNone/>
+            </a:pPr>
+            <a:r>
+              <a:rPr lang="sk-SK" sz="2800" dirty="0">
+                <a:effectLst/>
+                <a:latin typeface="Arial" panose="020B0604020202020204" pitchFamily="34" charset="0"/>
+              </a:rPr>
+              <a:t>Otázka 1: </a:t>
+            </a:r>
+          </a:p>
+          <a:p>
+            <a:pPr marL="0" indent="0">
+              <a:buNone/>
+            </a:pPr>
+            <a:endParaRPr lang="sk-SK" sz="2800" dirty="0">
+              <a:latin typeface="Arial" panose="020B0604020202020204" pitchFamily="34" charset="0"/>
+            </a:endParaRPr>
+          </a:p>
+          <a:p>
+            <a:pPr marL="0" indent="0">
+              <a:buNone/>
+            </a:pPr>
+            <a:r>
+              <a:rPr lang="sk-SK" sz="2800" dirty="0">
+                <a:effectLst/>
+                <a:latin typeface="Arial" panose="020B0604020202020204" pitchFamily="34" charset="0"/>
+              </a:rPr>
+              <a:t>Zrealizujte záznam trasy pomocou vytvorenej aplikácie. Vizualizujte zozbierané dáta s využitím v práci spomínanej služby Google </a:t>
+            </a:r>
+            <a:r>
+              <a:rPr lang="sk-SK" sz="2800" dirty="0" err="1">
+                <a:effectLst/>
+                <a:latin typeface="Arial" panose="020B0604020202020204" pitchFamily="34" charset="0"/>
+              </a:rPr>
+              <a:t>Earth</a:t>
+            </a:r>
+            <a:r>
+              <a:rPr lang="sk-SK" sz="2800" dirty="0">
+                <a:effectLst/>
+                <a:latin typeface="Arial" panose="020B0604020202020204" pitchFamily="34" charset="0"/>
+              </a:rPr>
+              <a:t>. </a:t>
+            </a:r>
+          </a:p>
+          <a:p>
+            <a:pPr marL="0" indent="0">
+              <a:buNone/>
+            </a:pPr>
+            <a:r>
+              <a:rPr lang="sk-SK" sz="2800" dirty="0">
+                <a:effectLst/>
+                <a:latin typeface="Arial" panose="020B0604020202020204" pitchFamily="34" charset="0"/>
+              </a:rPr>
+              <a:t>Aké informácie možno zo zozbieraných dát zistiť?</a:t>
+            </a:r>
+          </a:p>
+          <a:p>
+            <a:pPr marL="0" indent="0">
+              <a:buNone/>
+            </a:pPr>
+            <a:endParaRPr lang="sk-SK" dirty="0">
+              <a:latin typeface="Arial" panose="020B0604020202020204" pitchFamily="34" charset="0"/>
+            </a:endParaRPr>
+          </a:p>
+          <a:p>
+            <a:pPr marL="0" indent="0">
+              <a:buNone/>
+            </a:pPr>
+            <a:endParaRPr lang="sk-SK" dirty="0"/>
+          </a:p>
+        </p:txBody>
+      </p:sp>
+    </p:spTree>
+    <p:extLst>
+      <p:ext uri="{BB962C8B-B14F-4D97-AF65-F5344CB8AC3E}">
+        <p14:creationId xmlns:p14="http://schemas.microsoft.com/office/powerpoint/2010/main" val="220308034"/>
+      </p:ext>
+    </p:extLst>
+  </p:cSld>
+  <p:clrMapOvr>
+    <a:masterClrMapping/>
+  </p:clrMapOvr>
+</p:sld>
+</file>
+
+<file path=ppt/slides/slide12.xml><?xml version="1.0" encoding="utf-8"?>
+<p:sld xmlns:a="http://schemas.openxmlformats.org/drawingml/2006/main" xmlns:r="http://schemas.openxmlformats.org/officeDocument/2006/relationships" xmlns:p="http://schemas.openxmlformats.org/presentationml/2006/main">
+  <p:cSld>
+    <p:spTree>
+      <p:nvGrpSpPr>
+        <p:cNvPr id="1" name=""/>
+        <p:cNvGrpSpPr/>
+        <p:nvPr/>
+      </p:nvGrpSpPr>
+      <p:grpSpPr>
+        <a:xfrm>
+          <a:off x="0" y="0"/>
+          <a:ext cx="0" cy="0"/>
+          <a:chOff x="0" y="0"/>
+          <a:chExt cx="0" cy="0"/>
+        </a:xfrm>
+      </p:grpSpPr>
+      <p:sp>
+        <p:nvSpPr>
+          <p:cNvPr id="2" name="Nadpis 1">
+            <a:extLst>
+              <a:ext uri="{FF2B5EF4-FFF2-40B4-BE49-F238E27FC236}">
                 <a16:creationId xmlns:a16="http://schemas.microsoft.com/office/drawing/2014/main" id="{6300E96E-DF14-1E46-B705-41B2B9D10292}"/>
               </a:ext>
             </a:extLst>
@@ -6297,7 +6368,7 @@
 </p:sld>
 </file>
 
-<file path=ppt/slides/slide12.xml><?xml version="1.0" encoding="utf-8"?>
+<file path=ppt/slides/slide13.xml><?xml version="1.0" encoding="utf-8"?>
 <p:sld xmlns:a="http://schemas.openxmlformats.org/drawingml/2006/main" xmlns:r="http://schemas.openxmlformats.org/officeDocument/2006/relationships" xmlns:p="http://schemas.openxmlformats.org/presentationml/2006/main">
   <p:cSld>
     <p:spTree>
@@ -6628,7 +6699,7 @@
         <p:spPr>
           <a:xfrm>
             <a:off x="1041504" y="1995530"/>
-            <a:ext cx="7766936" cy="1096899"/>
+            <a:ext cx="7766936" cy="3885153"/>
           </a:xfrm>
         </p:spPr>
         <p:txBody>
@@ -6646,7 +6717,21 @@
                 <a:effectLst/>
                 <a:latin typeface="Arial" panose="020B0604020202020204" pitchFamily="34" charset="0"/>
               </a:rPr>
-              <a:t>stručný teoretický úvod do problematiky</a:t>
+              <a:t>Vyber </a:t>
+            </a:r>
+            <a:r>
+              <a:rPr lang="sk-SK" sz="2800" dirty="0" err="1">
+                <a:effectLst/>
+                <a:latin typeface="Arial" panose="020B0604020202020204" pitchFamily="34" charset="0"/>
+              </a:rPr>
+              <a:t>vyvojového</a:t>
+            </a:r>
+            <a:r>
+              <a:rPr lang="sk-SK" sz="2800" dirty="0">
+                <a:effectLst/>
+                <a:latin typeface="Arial" panose="020B0604020202020204" pitchFamily="34" charset="0"/>
+              </a:rPr>
+              <a:t> prostredia</a:t>
             </a:r>
           </a:p>
           <a:p>
@@ -6656,18 +6741,208 @@
             </a:pPr>
             <a:r>
               <a:rPr lang="sk-SK" sz="2800" dirty="0">
-                <a:latin typeface="Arial" panose="020B0604020202020204" pitchFamily="34" charset="0"/>
-              </a:rPr>
-              <a:t>z</a:t>
-            </a:r>
-            <a:r>
-              <a:rPr lang="sk-SK" sz="2800" dirty="0">
                 <a:effectLst/>
                 <a:latin typeface="Arial" panose="020B0604020202020204" pitchFamily="34" charset="0"/>
               </a:rPr>
-              <a:t>ávery analýzy súčasného stavu</a:t>
-            </a:r>
-            <a:endParaRPr lang="sk-SK" sz="2800" dirty="0"/>
+              <a:t>Vyber programovacieho jazyka</a:t>
+            </a:r>
+          </a:p>
+          <a:p>
+            <a:pPr marL="285750" indent="-285750" algn="l">
+              <a:buFont typeface="Wingdings" panose="05000000000000000000" pitchFamily="2" charset="2"/>
+              <a:buChar char="§"/>
+            </a:pPr>
+            <a:r>
+              <a:rPr lang="sk-SK" sz="2800" dirty="0">
+                <a:latin typeface="Arial" panose="020B0604020202020204" pitchFamily="34" charset="0"/>
+              </a:rPr>
+              <a:t>Podobne aplikácie</a:t>
+            </a:r>
+            <a:endParaRPr lang="sk-SK" sz="2800" dirty="0">
+              <a:effectLst/>
+              <a:latin typeface="Arial" panose="020B0604020202020204" pitchFamily="34" charset="0"/>
+            </a:endParaRPr>
+          </a:p>
+          <a:p>
+            <a:pPr algn="l"/>
+            <a:endParaRPr lang="sk-SK" sz="2800" dirty="0">
+              <a:effectLst/>
+              <a:latin typeface="Arial" panose="020B0604020202020204" pitchFamily="34" charset="0"/>
+            </a:endParaRPr>
+          </a:p>
+        </p:txBody>
+      </p:sp>
+      <p:pic>
+        <p:nvPicPr>
+          <p:cNvPr id="5" name="Obrázok 4">
+            <a:extLst>
+              <a:ext uri="{FF2B5EF4-FFF2-40B4-BE49-F238E27FC236}">
+                <a16:creationId xmlns:a16="http://schemas.microsoft.com/office/drawing/2014/main" id="{0DC1CA78-5E9B-7B5E-D843-C08DB9ADDEF0}"/>
+              </a:ext>
+            </a:extLst>
+          </p:cNvPr>
+          <p:cNvPicPr>
+            <a:picLocks noChangeAspect="1"/>
+          </p:cNvPicPr>
+          <p:nvPr/>
+        </p:nvPicPr>
+        <p:blipFill>
+          <a:blip r:embed="rId2"/>
+          <a:stretch>
+            <a:fillRect/>
+          </a:stretch>
+        </p:blipFill>
+        <p:spPr>
+          <a:xfrm>
+            <a:off x="7440732" y="1350627"/>
+            <a:ext cx="1748089" cy="2247543"/>
+          </a:xfrm>
+          <a:prstGeom prst="rect">
+            <a:avLst/>
+          </a:prstGeom>
+        </p:spPr>
+      </p:pic>
+      <p:pic>
+        <p:nvPicPr>
+          <p:cNvPr id="7" name="Obrázok 6">
+            <a:extLst>
+              <a:ext uri="{FF2B5EF4-FFF2-40B4-BE49-F238E27FC236}">
+                <a16:creationId xmlns:a16="http://schemas.microsoft.com/office/drawing/2014/main" id="{A1454F90-5056-96D9-4D7F-1FF2DE3BE448}"/>
+              </a:ext>
+            </a:extLst>
+          </p:cNvPr>
+          <p:cNvPicPr>
+            <a:picLocks noChangeAspect="1"/>
+          </p:cNvPicPr>
+          <p:nvPr/>
+        </p:nvPicPr>
+        <p:blipFill>
+          <a:blip r:embed="rId3"/>
+          <a:stretch>
+            <a:fillRect/>
+          </a:stretch>
+        </p:blipFill>
+        <p:spPr>
+          <a:xfrm rot="16200000">
+            <a:off x="6224113" y="2998815"/>
+            <a:ext cx="2115066" cy="3814349"/>
+          </a:xfrm>
+          <a:prstGeom prst="rect">
+            <a:avLst/>
+          </a:prstGeom>
+        </p:spPr>
+      </p:pic>
+      <p:pic>
+        <p:nvPicPr>
+          <p:cNvPr id="9" name="Obrázok 8">
+            <a:extLst>
+              <a:ext uri="{FF2B5EF4-FFF2-40B4-BE49-F238E27FC236}">
+                <a16:creationId xmlns:a16="http://schemas.microsoft.com/office/drawing/2014/main" id="{6E2549A8-3161-B7B5-0B69-2C0209EFB84B}"/>
+              </a:ext>
+            </a:extLst>
+          </p:cNvPr>
+          <p:cNvPicPr>
+            <a:picLocks noChangeAspect="1"/>
+          </p:cNvPicPr>
+          <p:nvPr/>
+        </p:nvPicPr>
+        <p:blipFill>
+          <a:blip r:embed="rId4"/>
+          <a:stretch>
+            <a:fillRect/>
+          </a:stretch>
+        </p:blipFill>
+        <p:spPr>
+          <a:xfrm>
+            <a:off x="1041505" y="3840823"/>
+            <a:ext cx="3623003" cy="2122700"/>
+          </a:xfrm>
+          <a:prstGeom prst="rect">
+            <a:avLst/>
+          </a:prstGeom>
+        </p:spPr>
+      </p:pic>
+      <p:sp>
+        <p:nvSpPr>
+          <p:cNvPr id="10" name="BlokTextu 9">
+            <a:extLst>
+              <a:ext uri="{FF2B5EF4-FFF2-40B4-BE49-F238E27FC236}">
+                <a16:creationId xmlns:a16="http://schemas.microsoft.com/office/drawing/2014/main" id="{B8AD6D67-410A-6F61-C88D-60FDAF5A4DC2}"/>
+              </a:ext>
+            </a:extLst>
+          </p:cNvPr>
+          <p:cNvSpPr txBox="1"/>
+          <p:nvPr/>
+        </p:nvSpPr>
+        <p:spPr>
+          <a:xfrm>
+            <a:off x="1041504" y="6005360"/>
+            <a:ext cx="1236236" cy="369332"/>
+          </a:xfrm>
+          <a:prstGeom prst="rect">
+            <a:avLst/>
+          </a:prstGeom>
+          <a:noFill/>
+        </p:spPr>
+        <p:txBody>
+          <a:bodyPr wrap="none" rtlCol="0">
+            <a:spAutoFit/>
+          </a:bodyPr>
+          <a:lstStyle/>
+          <a:p>
+            <a:r>
+              <a:rPr lang="sk-SK" dirty="0" err="1"/>
+              <a:t>SkyDemon</a:t>
+            </a:r>
+            <a:endParaRPr lang="sk-SK" dirty="0"/>
+          </a:p>
+        </p:txBody>
+      </p:sp>
+      <p:sp>
+        <p:nvSpPr>
+          <p:cNvPr id="11" name="BlokTextu 10">
+            <a:extLst>
+              <a:ext uri="{FF2B5EF4-FFF2-40B4-BE49-F238E27FC236}">
+                <a16:creationId xmlns:a16="http://schemas.microsoft.com/office/drawing/2014/main" id="{A4016D66-A072-929B-EEA1-B6CF9FA84F31}"/>
+              </a:ext>
+            </a:extLst>
+          </p:cNvPr>
+          <p:cNvSpPr txBox="1"/>
+          <p:nvPr/>
+        </p:nvSpPr>
+        <p:spPr>
+          <a:xfrm>
+            <a:off x="5368955" y="5995922"/>
+            <a:ext cx="2596418" cy="369332"/>
+          </a:xfrm>
+          <a:prstGeom prst="rect">
+            <a:avLst/>
+          </a:prstGeom>
+          <a:noFill/>
+        </p:spPr>
+        <p:txBody>
+          <a:bodyPr wrap="square" rtlCol="0">
+            <a:spAutoFit/>
+          </a:bodyPr>
+          <a:lstStyle/>
+          <a:p>
+            <a:r>
+              <a:rPr lang="sk-SK" sz="1800" b="0" i="0" u="none" strike="noStrike" baseline="0" dirty="0" err="1">
+                <a:solidFill>
+                  <a:srgbClr val="000000"/>
+                </a:solidFill>
+              </a:rPr>
+              <a:t>Hiking</a:t>
+            </a:r>
+            <a:r>
+              <a:rPr lang="sk-SK" sz="1800" b="0" i="0" u="none" strike="noStrike" baseline="0" dirty="0">
+                <a:solidFill>
+                  <a:srgbClr val="000000"/>
+                </a:solidFill>
+              </a:rPr>
+              <a:t> Project </a:t>
+            </a:r>
+            <a:endParaRPr lang="sk-SK" dirty="0"/>
           </a:p>
         </p:txBody>
       </p:sp>
@@ -7282,7 +7557,7 @@
         </p:nvSpPr>
         <p:spPr>
           <a:xfrm>
-            <a:off x="677334" y="2734811"/>
+            <a:off x="677334" y="2348917"/>
             <a:ext cx="4918123" cy="3076362"/>
           </a:xfrm>
         </p:spPr>
@@ -7354,6 +7629,36 @@
           <a:xfrm>
             <a:off x="5519955" y="609599"/>
             <a:ext cx="3414319" cy="5950591"/>
+          </a:xfrm>
+          <a:prstGeom prst="rect">
+            <a:avLst/>
+          </a:prstGeom>
+        </p:spPr>
+      </p:pic>
+      <p:pic>
+        <p:nvPicPr>
+          <p:cNvPr id="6" name="Obrázok 5">
+            <a:extLst>
+              <a:ext uri="{FF2B5EF4-FFF2-40B4-BE49-F238E27FC236}">
+                <a16:creationId xmlns:a16="http://schemas.microsoft.com/office/drawing/2014/main" id="{AC8B93C3-D1C5-D587-69C7-CA8E1DE1F660}"/>
+              </a:ext>
+            </a:extLst>
+          </p:cNvPr>
+          <p:cNvPicPr>
+            <a:picLocks noChangeAspect="1"/>
+          </p:cNvPicPr>
+          <p:nvPr/>
+        </p:nvPicPr>
+        <p:blipFill>
+          <a:blip r:embed="rId3"/>
+          <a:stretch>
+            <a:fillRect/>
+          </a:stretch>
+        </p:blipFill>
+        <p:spPr>
+          <a:xfrm rot="16200000">
+            <a:off x="1759735" y="2346598"/>
+            <a:ext cx="2981419" cy="5146223"/>
           </a:xfrm>
           <a:prstGeom prst="rect">
             <a:avLst/>
@@ -7446,11 +7751,83 @@
         </p:blipFill>
         <p:spPr>
           <a:xfrm>
-            <a:off x="811557" y="1380411"/>
+            <a:off x="677334" y="1270000"/>
             <a:ext cx="2908407" cy="5146223"/>
           </a:xfrm>
         </p:spPr>
       </p:pic>
+      <p:sp>
+        <p:nvSpPr>
+          <p:cNvPr id="10" name="BlokTextu 9">
+            <a:extLst>
+              <a:ext uri="{FF2B5EF4-FFF2-40B4-BE49-F238E27FC236}">
+                <a16:creationId xmlns:a16="http://schemas.microsoft.com/office/drawing/2014/main" id="{49F636EB-9F04-56EA-E546-C9A2A23E6740}"/>
+              </a:ext>
+            </a:extLst>
+          </p:cNvPr>
+          <p:cNvSpPr txBox="1"/>
+          <p:nvPr/>
+        </p:nvSpPr>
+        <p:spPr>
+          <a:xfrm>
+            <a:off x="3766657" y="1270000"/>
+            <a:ext cx="4881849" cy="369332"/>
+          </a:xfrm>
+          <a:prstGeom prst="rect">
+            <a:avLst/>
+          </a:prstGeom>
+          <a:noFill/>
+        </p:spPr>
+        <p:txBody>
+          <a:bodyPr wrap="none" rtlCol="0">
+            <a:spAutoFit/>
+          </a:bodyPr>
+          <a:lstStyle/>
+          <a:p>
+            <a:r>
+              <a:rPr lang="en-GB" dirty="0" err="1"/>
+              <a:t>Prida</a:t>
+            </a:r>
+            <a:r>
+              <a:rPr lang="sk-SK" dirty="0"/>
+              <a:t>t</a:t>
+            </a:r>
+            <a:r>
+              <a:rPr lang="en-GB" dirty="0"/>
+              <a:t> </a:t>
+            </a:r>
+            <a:r>
+              <a:rPr lang="en-GB" dirty="0" err="1"/>
+              <a:t>obra</a:t>
+            </a:r>
+            <a:r>
+              <a:rPr lang="sk-SK" dirty="0"/>
+              <a:t>z</a:t>
+            </a:r>
+            <a:r>
+              <a:rPr lang="en-GB" dirty="0"/>
+              <a:t>ok v</a:t>
+            </a:r>
+            <a:r>
+              <a:rPr lang="sk-SK" dirty="0"/>
+              <a:t>y</a:t>
+            </a:r>
+            <a:r>
+              <a:rPr lang="en-GB" dirty="0" err="1"/>
+              <a:t>generovanej</a:t>
+            </a:r>
+            <a:r>
+              <a:rPr lang="sk-SK" dirty="0"/>
+              <a:t> prejdenej </a:t>
+            </a:r>
+            <a:r>
+              <a:rPr lang="sk-SK" dirty="0" err="1"/>
+              <a:t>trasi</a:t>
+            </a:r>
+            <a:endParaRPr lang="sk-SK" dirty="0"/>
+          </a:p>
+        </p:txBody>
+      </p:sp>
     </p:spTree>
     <p:extLst>
       <p:ext uri="{BB962C8B-B14F-4D97-AF65-F5344CB8AC3E}">
@@ -7486,7 +7863,7 @@
           <p:cNvPr id="2" name="Nadpis 1">
             <a:extLst>
               <a:ext uri="{FF2B5EF4-FFF2-40B4-BE49-F238E27FC236}">
-                <a16:creationId xmlns:a16="http://schemas.microsoft.com/office/drawing/2014/main" id="{4521DE4E-02CA-3E53-35C4-E1901B0FB8AE}"/>
+                <a16:creationId xmlns:a16="http://schemas.microsoft.com/office/drawing/2014/main" id="{F75DC355-B116-080B-D5D4-4D1BAD13EB17}"/>
               </a:ext>
             </a:extLst>
           </p:cNvPr>
@@ -7503,19 +7880,9 @@
           <a:lstStyle/>
           <a:p>
             <a:r>
-              <a:rPr lang="sk-SK" dirty="0">
-                <a:effectLst/>
-                <a:latin typeface="Arial" panose="020B0604020202020204" pitchFamily="34" charset="0"/>
-              </a:rPr>
-              <a:t>Export súboru vo formáte KML</a:t>
-            </a:r>
-            <a:br>
-              <a:rPr lang="sk-SK" dirty="0">
-                <a:effectLst/>
-                <a:latin typeface="Arial" panose="020B0604020202020204" pitchFamily="34" charset="0"/>
-              </a:rPr>
-            </a:br>
-            <a:endParaRPr lang="sk-SK" dirty="0"/>
+              <a:rPr lang="sk-SK" dirty="0"/>
+              <a:t>Problém s nadmorskou výškou</a:t>
+            </a:r>
           </a:p>
         </p:txBody>
       </p:sp>
@@ -7524,7 +7891,7 @@
           <p:cNvPr id="3" name="Zástupný objekt pre obsah 2">
             <a:extLst>
               <a:ext uri="{FF2B5EF4-FFF2-40B4-BE49-F238E27FC236}">
-                <a16:creationId xmlns:a16="http://schemas.microsoft.com/office/drawing/2014/main" id="{7BDC088F-D525-6D78-F4BB-EED0EAA655FB}"/>
+                <a16:creationId xmlns:a16="http://schemas.microsoft.com/office/drawing/2014/main" id="{45D91CA0-87B1-4916-669E-F6C829C979C7}"/>
               </a:ext>
             </a:extLst>
           </p:cNvPr>
@@ -7535,68 +7902,22 @@
             <p:ph idx="1"/>
           </p:nvPr>
         </p:nvSpPr>
-        <p:spPr>
-          <a:xfrm>
-            <a:off x="677334" y="2160589"/>
-            <a:ext cx="8819004" cy="3880773"/>
-          </a:xfrm>
-        </p:spPr>
-        <p:txBody>
-          <a:bodyPr>
-            <a:normAutofit/>
-          </a:bodyPr>
+        <p:spPr/>
+        <p:txBody>
+          <a:bodyPr/>
           <a:lstStyle/>
           <a:p>
             <a:pPr marL="0" indent="0">
               <a:buNone/>
             </a:pPr>
-            <a:r>
-              <a:rPr lang="sk-SK" sz="2800" dirty="0">
-                <a:effectLst/>
-                <a:latin typeface="Arial" panose="020B0604020202020204" pitchFamily="34" charset="0"/>
-                <a:cs typeface="Arial" panose="020B0604020202020204" pitchFamily="34" charset="0"/>
-              </a:rPr>
-              <a:t>• skúmané metódy boli porovnané z rôznych hľadísk</a:t>
-            </a:r>
-            <a:br>
-              <a:rPr lang="sk-SK" sz="2800" dirty="0">
-                <a:latin typeface="Arial" panose="020B0604020202020204" pitchFamily="34" charset="0"/>
-                <a:cs typeface="Arial" panose="020B0604020202020204" pitchFamily="34" charset="0"/>
-              </a:rPr>
-            </a:br>
-            <a:r>
-              <a:rPr lang="sk-SK" sz="2800" dirty="0">
-                <a:effectLst/>
-                <a:latin typeface="Arial" panose="020B0604020202020204" pitchFamily="34" charset="0"/>
-                <a:cs typeface="Arial" panose="020B0604020202020204" pitchFamily="34" charset="0"/>
-              </a:rPr>
-              <a:t>• prínosom pre prax je použitie novej metódy, ktorá je efektívnejšia</a:t>
-            </a:r>
-            <a:br>
-              <a:rPr lang="sk-SK" sz="2800" dirty="0">
-                <a:latin typeface="Arial" panose="020B0604020202020204" pitchFamily="34" charset="0"/>
-                <a:cs typeface="Arial" panose="020B0604020202020204" pitchFamily="34" charset="0"/>
-              </a:rPr>
-            </a:br>
-            <a:r>
-              <a:rPr lang="sk-SK" sz="2800" dirty="0">
-                <a:effectLst/>
-                <a:latin typeface="Arial" panose="020B0604020202020204" pitchFamily="34" charset="0"/>
-                <a:cs typeface="Arial" panose="020B0604020202020204" pitchFamily="34" charset="0"/>
-              </a:rPr>
-              <a:t>• nevýhodou novej metódy je časová náročnosť</a:t>
-            </a:r>
-            <a:endParaRPr lang="sk-SK" sz="2800" dirty="0">
-              <a:latin typeface="Arial" panose="020B0604020202020204" pitchFamily="34" charset="0"/>
-              <a:cs typeface="Arial" panose="020B0604020202020204" pitchFamily="34" charset="0"/>
-            </a:endParaRPr>
+            <a:endParaRPr lang="sk-SK" dirty="0"/>
           </a:p>
         </p:txBody>
       </p:sp>
     </p:spTree>
     <p:extLst>
       <p:ext uri="{BB962C8B-B14F-4D97-AF65-F5344CB8AC3E}">
-        <p14:creationId xmlns:p14="http://schemas.microsoft.com/office/powerpoint/2010/main" val="2214944782"/>
+        <p14:creationId xmlns:p14="http://schemas.microsoft.com/office/powerpoint/2010/main" val="3265627390"/>
       </p:ext>
     </p:extLst>
   </p:cSld>
@@ -7628,7 +7949,7 @@
           <p:cNvPr id="2" name="Nadpis 1">
             <a:extLst>
               <a:ext uri="{FF2B5EF4-FFF2-40B4-BE49-F238E27FC236}">
-                <a16:creationId xmlns:a16="http://schemas.microsoft.com/office/drawing/2014/main" id="{BE7A0427-3EF1-5F8B-2735-798D4C69A382}"/>
+                <a16:creationId xmlns:a16="http://schemas.microsoft.com/office/drawing/2014/main" id="{4521DE4E-02CA-3E53-35C4-E1901B0FB8AE}"/>
               </a:ext>
             </a:extLst>
           </p:cNvPr>
@@ -7639,34 +7960,118 @@
             <p:ph type="title"/>
           </p:nvPr>
         </p:nvSpPr>
-        <p:spPr>
-          <a:xfrm>
-            <a:off x="1432343" y="0"/>
-            <a:ext cx="8491833" cy="6858000"/>
-          </a:xfrm>
-        </p:spPr>
-        <p:txBody>
-          <a:bodyPr anchor="ctr">
-            <a:noAutofit/>
-          </a:bodyPr>
-          <a:lstStyle/>
-          <a:p>
-            <a:pPr algn="ctr"/>
-            <a:r>
-              <a:rPr lang="sk-SK" sz="4800" dirty="0">
+        <p:spPr/>
+        <p:txBody>
+          <a:bodyPr/>
+          <a:lstStyle/>
+          <a:p>
+            <a:r>
+              <a:rPr lang="sk-SK" dirty="0">
                 <a:effectLst/>
                 <a:latin typeface="Arial" panose="020B0604020202020204" pitchFamily="34" charset="0"/>
               </a:rPr>
-              <a:t>Ďakujem za pozornosť!</a:t>
-            </a:r>
-            <a:endParaRPr lang="sk-SK" sz="4800" dirty="0"/>
+              <a:t>Export súboru vo formáte KML</a:t>
+            </a:r>
+            <a:br>
+              <a:rPr lang="sk-SK" dirty="0">
+                <a:effectLst/>
+                <a:latin typeface="Arial" panose="020B0604020202020204" pitchFamily="34" charset="0"/>
+              </a:rPr>
+            </a:br>
+            <a:endParaRPr lang="sk-SK" dirty="0"/>
+          </a:p>
+        </p:txBody>
+      </p:sp>
+      <p:sp>
+        <p:nvSpPr>
+          <p:cNvPr id="3" name="Zástupný objekt pre obsah 2">
+            <a:extLst>
+              <a:ext uri="{FF2B5EF4-FFF2-40B4-BE49-F238E27FC236}">
+                <a16:creationId xmlns:a16="http://schemas.microsoft.com/office/drawing/2014/main" id="{7BDC088F-D525-6D78-F4BB-EED0EAA655FB}"/>
+              </a:ext>
+            </a:extLst>
+          </p:cNvPr>
+          <p:cNvSpPr>
+            <a:spLocks noGrp="1"/>
+          </p:cNvSpPr>
+          <p:nvPr>
+            <p:ph idx="1"/>
+          </p:nvPr>
+        </p:nvSpPr>
+        <p:spPr>
+          <a:xfrm>
+            <a:off x="677334" y="2160589"/>
+            <a:ext cx="8819004" cy="3880773"/>
+          </a:xfrm>
+        </p:spPr>
+        <p:txBody>
+          <a:bodyPr>
+            <a:normAutofit/>
+          </a:bodyPr>
+          <a:lstStyle/>
+          <a:p>
+            <a:pPr marL="0" indent="0">
+              <a:buNone/>
+            </a:pPr>
+            <a:r>
+              <a:rPr lang="sk-SK" sz="2800" dirty="0">
+                <a:effectLst/>
+                <a:latin typeface="Arial" panose="020B0604020202020204" pitchFamily="34" charset="0"/>
+                <a:cs typeface="Arial" panose="020B0604020202020204" pitchFamily="34" charset="0"/>
+              </a:rPr>
+              <a:t>• </a:t>
+            </a:r>
+            <a:r>
+              <a:rPr lang="sk-SK" sz="2800" dirty="0" err="1">
+                <a:effectLst/>
+                <a:latin typeface="Arial" panose="020B0604020202020204" pitchFamily="34" charset="0"/>
+                <a:cs typeface="Arial" panose="020B0604020202020204" pitchFamily="34" charset="0"/>
+              </a:rPr>
+              <a:t>Pridat</a:t>
+            </a:r>
+            <a:r>
+              <a:rPr lang="sk-SK" sz="2800" dirty="0">
+                <a:effectLst/>
+                <a:latin typeface="Arial" panose="020B0604020202020204" pitchFamily="34" charset="0"/>
+                <a:cs typeface="Arial" panose="020B0604020202020204" pitchFamily="34" charset="0"/>
+              </a:rPr>
+              <a:t> video z </a:t>
+            </a:r>
+            <a:r>
+              <a:rPr lang="sk-SK" sz="2800" dirty="0" err="1">
+                <a:effectLst/>
+                <a:latin typeface="Arial" panose="020B0604020202020204" pitchFamily="34" charset="0"/>
+                <a:cs typeface="Arial" panose="020B0604020202020204" pitchFamily="34" charset="0"/>
+              </a:rPr>
+              <a:t>google</a:t>
+            </a:r>
+            <a:r>
+              <a:rPr lang="sk-SK" sz="2800" dirty="0">
+                <a:effectLst/>
+                <a:latin typeface="Arial" panose="020B0604020202020204" pitchFamily="34" charset="0"/>
+                <a:cs typeface="Arial" panose="020B0604020202020204" pitchFamily="34" charset="0"/>
+              </a:rPr>
+              <a:t> </a:t>
+            </a:r>
+            <a:r>
+              <a:rPr lang="sk-SK" sz="2800" dirty="0" err="1">
+                <a:effectLst/>
+                <a:latin typeface="Arial" panose="020B0604020202020204" pitchFamily="34" charset="0"/>
+                <a:cs typeface="Arial" panose="020B0604020202020204" pitchFamily="34" charset="0"/>
+              </a:rPr>
+              <a:t>earth</a:t>
+            </a:r>
+            <a:endParaRPr lang="sk-SK" sz="2800" dirty="0">
+              <a:latin typeface="Arial" panose="020B0604020202020204" pitchFamily="34" charset="0"/>
+              <a:cs typeface="Arial" panose="020B0604020202020204" pitchFamily="34" charset="0"/>
+            </a:endParaRPr>
           </a:p>
         </p:txBody>
       </p:sp>
     </p:spTree>
     <p:extLst>
       <p:ext uri="{BB962C8B-B14F-4D97-AF65-F5344CB8AC3E}">
-        <p14:creationId xmlns:p14="http://schemas.microsoft.com/office/powerpoint/2010/main" val="4247286590"/>
+        <p14:creationId xmlns:p14="http://schemas.microsoft.com/office/powerpoint/2010/main" val="2214944782"/>
       </p:ext>
     </p:extLst>
   </p:cSld>

--- a/Prezentacia_Vrták_Martin.pptx
+++ b/Prezentacia_Vrták_Martin.pptx
@@ -6698,7 +6698,7 @@
         </p:nvSpPr>
         <p:spPr>
           <a:xfrm>
-            <a:off x="1041504" y="1995530"/>
+            <a:off x="1041504" y="1622220"/>
             <a:ext cx="7766936" cy="3885153"/>
           </a:xfrm>
         </p:spPr>
@@ -7221,7 +7221,7 @@
         </p:nvSpPr>
         <p:spPr>
           <a:xfrm>
-            <a:off x="677334" y="1690881"/>
+            <a:off x="677334" y="1270000"/>
             <a:ext cx="8596668" cy="3880773"/>
           </a:xfrm>
         </p:spPr>
@@ -7396,7 +7396,7 @@
         </p:blipFill>
         <p:spPr>
           <a:xfrm>
-            <a:off x="5691734" y="2074190"/>
+            <a:off x="5691733" y="1707227"/>
             <a:ext cx="3099929" cy="2751187"/>
           </a:xfrm>
           <a:prstGeom prst="rect">
@@ -7426,7 +7426,7 @@
         </p:blipFill>
         <p:spPr>
           <a:xfrm>
-            <a:off x="5691734" y="4962763"/>
+            <a:off x="5691733" y="4651867"/>
             <a:ext cx="3099929" cy="1690172"/>
           </a:xfrm>
           <a:prstGeom prst="rect">
@@ -7456,7 +7456,7 @@
         </p:blipFill>
         <p:spPr>
           <a:xfrm>
-            <a:off x="677334" y="4961436"/>
+            <a:off x="677334" y="4645414"/>
             <a:ext cx="3401350" cy="1691499"/>
           </a:xfrm>
           <a:prstGeom prst="rect">
@@ -7464,6 +7464,77 @@
           </a:prstGeom>
         </p:spPr>
       </p:pic>
+      <p:sp>
+        <p:nvSpPr>
+          <p:cNvPr id="12" name="BlokTextu 11">
+            <a:extLst>
+              <a:ext uri="{FF2B5EF4-FFF2-40B4-BE49-F238E27FC236}">
+                <a16:creationId xmlns:a16="http://schemas.microsoft.com/office/drawing/2014/main" id="{D9D9F674-B255-5169-244A-171D203C753E}"/>
+              </a:ext>
+            </a:extLst>
+          </p:cNvPr>
+          <p:cNvSpPr txBox="1"/>
+          <p:nvPr/>
+        </p:nvSpPr>
+        <p:spPr>
+          <a:xfrm>
+            <a:off x="5691733" y="6350826"/>
+            <a:ext cx="3099929" cy="369332"/>
+          </a:xfrm>
+          <a:prstGeom prst="rect">
+            <a:avLst/>
+          </a:prstGeom>
+          <a:noFill/>
+        </p:spPr>
+        <p:txBody>
+          <a:bodyPr wrap="square" rtlCol="0">
+            <a:spAutoFit/>
+          </a:bodyPr>
+          <a:lstStyle/>
+          <a:p>
+            <a:r>
+              <a:rPr lang="sk-SK" dirty="0" err="1"/>
+              <a:t>Accelerometer</a:t>
+            </a:r>
+            <a:endParaRPr lang="sk-SK" dirty="0"/>
+          </a:p>
+        </p:txBody>
+      </p:sp>
+      <p:sp>
+        <p:nvSpPr>
+          <p:cNvPr id="13" name="BlokTextu 12">
+            <a:extLst>
+              <a:ext uri="{FF2B5EF4-FFF2-40B4-BE49-F238E27FC236}">
+                <a16:creationId xmlns:a16="http://schemas.microsoft.com/office/drawing/2014/main" id="{396B39F2-6B6F-31BF-9C13-355A007B4354}"/>
+              </a:ext>
+            </a:extLst>
+          </p:cNvPr>
+          <p:cNvSpPr txBox="1"/>
+          <p:nvPr/>
+        </p:nvSpPr>
+        <p:spPr>
+          <a:xfrm>
+            <a:off x="677334" y="6359215"/>
+            <a:ext cx="3401350" cy="369332"/>
+          </a:xfrm>
+          <a:prstGeom prst="rect">
+            <a:avLst/>
+          </a:prstGeom>
+          <a:noFill/>
+        </p:spPr>
+        <p:txBody>
+          <a:bodyPr wrap="square" rtlCol="0">
+            <a:spAutoFit/>
+          </a:bodyPr>
+          <a:lstStyle/>
+          <a:p>
+            <a:r>
+              <a:rPr lang="sk-SK" dirty="0"/>
+              <a:t>Gyroskop</a:t>
+            </a:r>
+          </a:p>
+        </p:txBody>
+      </p:sp>
     </p:spTree>
     <p:extLst>
       <p:ext uri="{BB962C8B-B14F-4D97-AF65-F5344CB8AC3E}">
@@ -7910,6 +7981,58 @@
             <a:pPr marL="0" indent="0">
               <a:buNone/>
             </a:pPr>
+            <a:r>
+              <a:rPr lang="sk-SK" dirty="0" err="1"/>
+              <a:t>Pridat</a:t>
+            </a:r>
+            <a:r>
+              <a:rPr lang="sk-SK" dirty="0"/>
+              <a:t> </a:t>
+            </a:r>
+            <a:r>
+              <a:rPr lang="sk-SK" dirty="0" err="1"/>
+              <a:t>vygenerovany</a:t>
+            </a:r>
+            <a:r>
+              <a:rPr lang="sk-SK" dirty="0"/>
+              <a:t> </a:t>
+            </a:r>
+            <a:r>
+              <a:rPr lang="sk-SK" dirty="0" err="1"/>
+              <a:t>obrazok</a:t>
+            </a:r>
+            <a:r>
+              <a:rPr lang="sk-SK" dirty="0"/>
+              <a:t> </a:t>
+            </a:r>
+            <a:r>
+              <a:rPr lang="sk-SK" dirty="0" err="1"/>
+              <a:t>vysky</a:t>
+            </a:r>
+            <a:r>
+              <a:rPr lang="sk-SK" dirty="0"/>
+              <a:t> na opis </a:t>
+            </a:r>
+            <a:r>
+              <a:rPr lang="sk-SK" dirty="0" err="1"/>
+              <a:t>preco</a:t>
+            </a:r>
+            <a:r>
+              <a:rPr lang="sk-SK" dirty="0"/>
+              <a:t> som musel </a:t>
+            </a:r>
+            <a:r>
+              <a:rPr lang="sk-SK" dirty="0" err="1"/>
+              <a:t>nulovat</a:t>
+            </a:r>
+            <a:r>
+              <a:rPr lang="sk-SK" dirty="0"/>
+              <a:t> </a:t>
+            </a:r>
+            <a:r>
+              <a:rPr lang="sk-SK" dirty="0" err="1"/>
+              <a:t>poziciu</a:t>
+            </a:r>
             <a:endParaRPr lang="sk-SK" dirty="0"/>
           </a:p>
         </p:txBody>
@@ -8000,7 +8123,7 @@
         </p:nvSpPr>
         <p:spPr>
           <a:xfrm>
-            <a:off x="677334" y="2160589"/>
+            <a:off x="677334" y="1732750"/>
             <a:ext cx="8819004" cy="3880773"/>
           </a:xfrm>
         </p:spPr>

--- a/Prezentacia_Vrták_Martin.pptx
+++ b/Prezentacia_Vrták_Martin.pptx
@@ -858,7 +858,7 @@
           <a:p>
             <a:fld id="{48A87A34-81AB-432B-8DAE-1953F412C126}" type="datetimeFigureOut">
               <a:rPr lang="en-US" smtClean="0"/>
-              <a:t>5/27/2023</a:t>
+              <a:t>5/28/2023</a:t>
             </a:fld>
             <a:endParaRPr lang="en-US" dirty="0"/>
           </a:p>
@@ -1110,7 +1110,7 @@
             <a:fld id="{48A87A34-81AB-432B-8DAE-1953F412C126}" type="datetimeFigureOut">
               <a:rPr lang="en-US" smtClean="0"/>
               <a:pPr/>
-              <a:t>5/27/2023</a:t>
+              <a:t>5/28/2023</a:t>
             </a:fld>
             <a:endParaRPr lang="en-US" dirty="0"/>
           </a:p>
@@ -1426,7 +1426,7 @@
             <a:fld id="{48A87A34-81AB-432B-8DAE-1953F412C126}" type="datetimeFigureOut">
               <a:rPr lang="en-US" smtClean="0"/>
               <a:pPr/>
-              <a:t>5/27/2023</a:t>
+              <a:t>5/28/2023</a:t>
             </a:fld>
             <a:endParaRPr lang="en-US" dirty="0"/>
           </a:p>
@@ -1769,7 +1769,7 @@
             <a:fld id="{48A87A34-81AB-432B-8DAE-1953F412C126}" type="datetimeFigureOut">
               <a:rPr lang="en-US" smtClean="0"/>
               <a:pPr/>
-              <a:t>5/27/2023</a:t>
+              <a:t>5/28/2023</a:t>
             </a:fld>
             <a:endParaRPr lang="en-US" dirty="0"/>
           </a:p>
@@ -2085,7 +2085,7 @@
             <a:fld id="{48A87A34-81AB-432B-8DAE-1953F412C126}" type="datetimeFigureOut">
               <a:rPr lang="en-US" smtClean="0"/>
               <a:pPr/>
-              <a:t>5/27/2023</a:t>
+              <a:t>5/28/2023</a:t>
             </a:fld>
             <a:endParaRPr lang="en-US" dirty="0"/>
           </a:p>
@@ -2480,7 +2480,7 @@
             <a:fld id="{48A87A34-81AB-432B-8DAE-1953F412C126}" type="datetimeFigureOut">
               <a:rPr lang="en-US" smtClean="0"/>
               <a:pPr/>
-              <a:t>5/27/2023</a:t>
+              <a:t>5/28/2023</a:t>
             </a:fld>
             <a:endParaRPr lang="en-US" dirty="0"/>
           </a:p>
@@ -2651,7 +2651,7 @@
           <a:p>
             <a:fld id="{48A87A34-81AB-432B-8DAE-1953F412C126}" type="datetimeFigureOut">
               <a:rPr lang="en-US" smtClean="0"/>
-              <a:t>5/27/2023</a:t>
+              <a:t>5/28/2023</a:t>
             </a:fld>
             <a:endParaRPr lang="en-US" dirty="0"/>
           </a:p>
@@ -2831,7 +2831,7 @@
           <a:p>
             <a:fld id="{48A87A34-81AB-432B-8DAE-1953F412C126}" type="datetimeFigureOut">
               <a:rPr lang="en-US" smtClean="0"/>
-              <a:t>5/27/2023</a:t>
+              <a:t>5/28/2023</a:t>
             </a:fld>
             <a:endParaRPr lang="en-US" dirty="0"/>
           </a:p>
@@ -3007,7 +3007,7 @@
           <a:p>
             <a:fld id="{48A87A34-81AB-432B-8DAE-1953F412C126}" type="datetimeFigureOut">
               <a:rPr lang="en-US" smtClean="0"/>
-              <a:t>5/27/2023</a:t>
+              <a:t>5/28/2023</a:t>
             </a:fld>
             <a:endParaRPr lang="en-US" dirty="0"/>
           </a:p>
@@ -3254,7 +3254,7 @@
           <a:p>
             <a:fld id="{48A87A34-81AB-432B-8DAE-1953F412C126}" type="datetimeFigureOut">
               <a:rPr lang="en-US" smtClean="0"/>
-              <a:t>5/27/2023</a:t>
+              <a:t>5/28/2023</a:t>
             </a:fld>
             <a:endParaRPr lang="en-US" dirty="0"/>
           </a:p>
@@ -3486,7 +3486,7 @@
           <a:p>
             <a:fld id="{48A87A34-81AB-432B-8DAE-1953F412C126}" type="datetimeFigureOut">
               <a:rPr lang="en-US" smtClean="0"/>
-              <a:t>5/27/2023</a:t>
+              <a:t>5/28/2023</a:t>
             </a:fld>
             <a:endParaRPr lang="en-US" dirty="0"/>
           </a:p>
@@ -3860,7 +3860,7 @@
           <a:p>
             <a:fld id="{48A87A34-81AB-432B-8DAE-1953F412C126}" type="datetimeFigureOut">
               <a:rPr lang="en-US" smtClean="0"/>
-              <a:t>5/27/2023</a:t>
+              <a:t>5/28/2023</a:t>
             </a:fld>
             <a:endParaRPr lang="en-US" dirty="0"/>
           </a:p>
@@ -3983,7 +3983,7 @@
           <a:p>
             <a:fld id="{48A87A34-81AB-432B-8DAE-1953F412C126}" type="datetimeFigureOut">
               <a:rPr lang="en-US" smtClean="0"/>
-              <a:t>5/27/2023</a:t>
+              <a:t>5/28/2023</a:t>
             </a:fld>
             <a:endParaRPr lang="en-US" dirty="0"/>
           </a:p>
@@ -4078,7 +4078,7 @@
           <a:p>
             <a:fld id="{48A87A34-81AB-432B-8DAE-1953F412C126}" type="datetimeFigureOut">
               <a:rPr lang="en-US" smtClean="0"/>
-              <a:t>5/27/2023</a:t>
+              <a:t>5/28/2023</a:t>
             </a:fld>
             <a:endParaRPr lang="en-US" dirty="0"/>
           </a:p>
@@ -4333,7 +4333,7 @@
           <a:p>
             <a:fld id="{48A87A34-81AB-432B-8DAE-1953F412C126}" type="datetimeFigureOut">
               <a:rPr lang="en-US" smtClean="0"/>
-              <a:t>5/27/2023</a:t>
+              <a:t>5/28/2023</a:t>
             </a:fld>
             <a:endParaRPr lang="en-US" dirty="0"/>
           </a:p>
@@ -4597,7 +4597,7 @@
             <a:fld id="{48A87A34-81AB-432B-8DAE-1953F412C126}" type="datetimeFigureOut">
               <a:rPr lang="en-US" smtClean="0"/>
               <a:pPr/>
-              <a:t>5/27/2023</a:t>
+              <a:t>5/28/2023</a:t>
             </a:fld>
             <a:endParaRPr lang="en-US" dirty="0"/>
           </a:p>
@@ -5341,7 +5341,7 @@
             <a:fld id="{48A87A34-81AB-432B-8DAE-1953F412C126}" type="datetimeFigureOut">
               <a:rPr lang="en-US" smtClean="0"/>
               <a:pPr/>
-              <a:t>5/27/2023</a:t>
+              <a:t>5/28/2023</a:t>
             </a:fld>
             <a:endParaRPr lang="en-US" dirty="0"/>
           </a:p>
@@ -5932,7 +5932,11 @@
           <a:p>
             <a:pPr algn="ctr"/>
             <a:r>
-              <a:rPr lang="sk-SK" sz="2800" dirty="0"/>
+              <a:rPr lang="sk-SK" sz="2800" dirty="0">
+                <a:solidFill>
+                  <a:schemeClr val="tx1"/>
+                </a:solidFill>
+              </a:rPr>
               <a:t>Bakalárska práca</a:t>
             </a:r>
           </a:p>
@@ -6152,6 +6156,9 @@
             </a:pPr>
             <a:r>
               <a:rPr lang="sk-SK" sz="2800" dirty="0">
+                <a:solidFill>
+                  <a:schemeClr val="tx1"/>
+                </a:solidFill>
                 <a:effectLst/>
                 <a:latin typeface="Arial" panose="020B0604020202020204" pitchFamily="34" charset="0"/>
               </a:rPr>
@@ -6163,6 +6170,9 @@
               <a:buNone/>
             </a:pPr>
             <a:endParaRPr lang="sk-SK" sz="2800" dirty="0">
+              <a:solidFill>
+                <a:schemeClr val="tx1"/>
+              </a:solidFill>
               <a:latin typeface="Arial" panose="020B0604020202020204" pitchFamily="34" charset="0"/>
             </a:endParaRPr>
           </a:p>
@@ -6172,6 +6182,9 @@
             </a:pPr>
             <a:r>
               <a:rPr lang="sk-SK" sz="2800" dirty="0">
+                <a:solidFill>
+                  <a:schemeClr val="tx1"/>
+                </a:solidFill>
                 <a:effectLst/>
                 <a:latin typeface="Arial" panose="020B0604020202020204" pitchFamily="34" charset="0"/>
               </a:rPr>
@@ -6179,6 +6192,9 @@
             </a:r>
             <a:r>
               <a:rPr lang="sk-SK" sz="2800" dirty="0" err="1">
+                <a:solidFill>
+                  <a:schemeClr val="tx1"/>
+                </a:solidFill>
                 <a:effectLst/>
                 <a:latin typeface="Arial" panose="020B0604020202020204" pitchFamily="34" charset="0"/>
               </a:rPr>
@@ -6186,6 +6202,9 @@
             </a:r>
             <a:r>
               <a:rPr lang="sk-SK" sz="2800" dirty="0">
+                <a:solidFill>
+                  <a:schemeClr val="tx1"/>
+                </a:solidFill>
                 <a:effectLst/>
                 <a:latin typeface="Arial" panose="020B0604020202020204" pitchFamily="34" charset="0"/>
               </a:rPr>
@@ -6198,6 +6217,9 @@
             </a:pPr>
             <a:r>
               <a:rPr lang="sk-SK" sz="2800" dirty="0">
+                <a:solidFill>
+                  <a:schemeClr val="tx1"/>
+                </a:solidFill>
                 <a:effectLst/>
                 <a:latin typeface="Arial" panose="020B0604020202020204" pitchFamily="34" charset="0"/>
               </a:rPr>
@@ -6310,6 +6332,9 @@
             </a:pPr>
             <a:r>
               <a:rPr lang="sk-SK" sz="2800" dirty="0">
+                <a:solidFill>
+                  <a:schemeClr val="tx1"/>
+                </a:solidFill>
                 <a:effectLst/>
                 <a:latin typeface="Arial" panose="020B0604020202020204" pitchFamily="34" charset="0"/>
                 <a:cs typeface="Arial" panose="020B0604020202020204" pitchFamily="34" charset="0"/>
@@ -6322,6 +6347,9 @@
               <a:buNone/>
             </a:pPr>
             <a:endParaRPr lang="sk-SK" sz="2800" dirty="0">
+              <a:solidFill>
+                <a:schemeClr val="tx1"/>
+              </a:solidFill>
               <a:effectLst/>
               <a:latin typeface="Arial" panose="020B0604020202020204" pitchFamily="34" charset="0"/>
               <a:cs typeface="Arial" panose="020B0604020202020204" pitchFamily="34" charset="0"/>
@@ -6333,6 +6361,9 @@
             </a:pPr>
             <a:r>
               <a:rPr lang="sk-SK" sz="2800" dirty="0">
+                <a:solidFill>
+                  <a:schemeClr val="tx1"/>
+                </a:solidFill>
                 <a:latin typeface="Arial" panose="020B0604020202020204" pitchFamily="34" charset="0"/>
                 <a:cs typeface="Arial" panose="020B0604020202020204" pitchFamily="34" charset="0"/>
               </a:rPr>
@@ -6340,6 +6371,9 @@
             </a:r>
             <a:r>
               <a:rPr lang="sk-SK" sz="2800" dirty="0" err="1">
+                <a:solidFill>
+                  <a:schemeClr val="tx1"/>
+                </a:solidFill>
                 <a:latin typeface="Arial" panose="020B0604020202020204" pitchFamily="34" charset="0"/>
                 <a:cs typeface="Arial" panose="020B0604020202020204" pitchFamily="34" charset="0"/>
               </a:rPr>
@@ -6347,6 +6381,9 @@
             </a:r>
             <a:r>
               <a:rPr lang="sk-SK" sz="2800" dirty="0">
+                <a:solidFill>
+                  <a:schemeClr val="tx1"/>
+                </a:solidFill>
                 <a:latin typeface="Arial" panose="020B0604020202020204" pitchFamily="34" charset="0"/>
                 <a:cs typeface="Arial" panose="020B0604020202020204" pitchFamily="34" charset="0"/>
               </a:rPr>
@@ -6445,6 +6482,9 @@
             </a:pPr>
             <a:r>
               <a:rPr lang="sk-SK" sz="2800" dirty="0">
+                <a:solidFill>
+                  <a:schemeClr val="tx1"/>
+                </a:solidFill>
                 <a:latin typeface="Arial" panose="020B0604020202020204" pitchFamily="34" charset="0"/>
                 <a:cs typeface="Arial" panose="020B0604020202020204" pitchFamily="34" charset="0"/>
               </a:rPr>
@@ -6554,44 +6594,82 @@
             <a:pPr algn="l"/>
             <a:r>
               <a:rPr lang="sk-SK" sz="2800" dirty="0">
+                <a:solidFill>
+                  <a:schemeClr val="tx1"/>
+                </a:solidFill>
                 <a:effectLst/>
                 <a:latin typeface="Arial" panose="020B0604020202020204" pitchFamily="34" charset="0"/>
+                <a:cs typeface="Arial" panose="020B0604020202020204" pitchFamily="34" charset="0"/>
               </a:rPr>
               <a:t>1. Analýza súčasného stavu</a:t>
             </a:r>
             <a:br>
-              <a:rPr lang="sk-SK" sz="2800" dirty="0"/>
+              <a:rPr lang="sk-SK" sz="2800" dirty="0">
+                <a:solidFill>
+                  <a:schemeClr val="tx1"/>
+                </a:solidFill>
+                <a:latin typeface="Arial" panose="020B0604020202020204" pitchFamily="34" charset="0"/>
+                <a:cs typeface="Arial" panose="020B0604020202020204" pitchFamily="34" charset="0"/>
+              </a:rPr>
             </a:br>
             <a:r>
               <a:rPr lang="sk-SK" sz="2800" dirty="0">
+                <a:solidFill>
+                  <a:schemeClr val="tx1"/>
+                </a:solidFill>
                 <a:effectLst/>
                 <a:latin typeface="Arial" panose="020B0604020202020204" pitchFamily="34" charset="0"/>
+                <a:cs typeface="Arial" panose="020B0604020202020204" pitchFamily="34" charset="0"/>
               </a:rPr>
               <a:t>2. Cieľ práce</a:t>
             </a:r>
             <a:br>
-              <a:rPr lang="sk-SK" sz="2800" dirty="0"/>
+              <a:rPr lang="sk-SK" sz="2800" dirty="0">
+                <a:solidFill>
+                  <a:schemeClr val="tx1"/>
+                </a:solidFill>
+                <a:latin typeface="Arial" panose="020B0604020202020204" pitchFamily="34" charset="0"/>
+                <a:cs typeface="Arial" panose="020B0604020202020204" pitchFamily="34" charset="0"/>
+              </a:rPr>
             </a:br>
             <a:r>
               <a:rPr lang="sk-SK" sz="2800" dirty="0">
+                <a:solidFill>
+                  <a:schemeClr val="tx1"/>
+                </a:solidFill>
                 <a:effectLst/>
                 <a:latin typeface="Arial" panose="020B0604020202020204" pitchFamily="34" charset="0"/>
+                <a:cs typeface="Arial" panose="020B0604020202020204" pitchFamily="34" charset="0"/>
               </a:rPr>
               <a:t>3. </a:t>
             </a:r>
             <a:r>
               <a:rPr lang="sk-SK" sz="2800" dirty="0">
+                <a:solidFill>
+                  <a:schemeClr val="tx1"/>
+                </a:solidFill>
                 <a:latin typeface="Arial" panose="020B0604020202020204" pitchFamily="34" charset="0"/>
+                <a:cs typeface="Arial" panose="020B0604020202020204" pitchFamily="34" charset="0"/>
               </a:rPr>
               <a:t>Senzory v mobilnom zariadení</a:t>
             </a:r>
             <a:br>
-              <a:rPr lang="sk-SK" sz="2800" dirty="0"/>
+              <a:rPr lang="sk-SK" sz="2800" dirty="0">
+                <a:solidFill>
+                  <a:schemeClr val="tx1"/>
+                </a:solidFill>
+                <a:latin typeface="Arial" panose="020B0604020202020204" pitchFamily="34" charset="0"/>
+                <a:cs typeface="Arial" panose="020B0604020202020204" pitchFamily="34" charset="0"/>
+              </a:rPr>
             </a:br>
             <a:r>
               <a:rPr lang="sk-SK" sz="2800" dirty="0">
+                <a:solidFill>
+                  <a:schemeClr val="tx1"/>
+                </a:solidFill>
                 <a:effectLst/>
                 <a:latin typeface="Arial" panose="020B0604020202020204" pitchFamily="34" charset="0"/>
+                <a:cs typeface="Arial" panose="020B0604020202020204" pitchFamily="34" charset="0"/>
               </a:rPr>
               <a:t>4. Zbieranie dát zo senzorov a ich ukladanie do databázy</a:t>
             </a:r>
@@ -6599,14 +6677,26 @@
           <a:p>
             <a:pPr algn="l"/>
             <a:r>
-              <a:rPr lang="sk-SK" sz="2800" dirty="0"/>
+              <a:rPr lang="sk-SK" sz="2800" dirty="0">
+                <a:solidFill>
+                  <a:schemeClr val="tx1"/>
+                </a:solidFill>
+                <a:latin typeface="Arial" panose="020B0604020202020204" pitchFamily="34" charset="0"/>
+                <a:cs typeface="Arial" panose="020B0604020202020204" pitchFamily="34" charset="0"/>
+              </a:rPr>
               <a:t>5. Zobrazenie dát z databázy</a:t>
             </a:r>
           </a:p>
           <a:p>
             <a:pPr algn="l"/>
             <a:r>
-              <a:rPr lang="sk-SK" sz="2800" dirty="0"/>
+              <a:rPr lang="sk-SK" sz="2800" dirty="0">
+                <a:solidFill>
+                  <a:schemeClr val="tx1"/>
+                </a:solidFill>
+                <a:latin typeface="Arial" panose="020B0604020202020204" pitchFamily="34" charset="0"/>
+                <a:cs typeface="Arial" panose="020B0604020202020204" pitchFamily="34" charset="0"/>
+              </a:rPr>
               <a:t>6. Export súboru vo formáte KML</a:t>
             </a:r>
           </a:p>
@@ -6714,6 +6804,9 @@
             </a:pPr>
             <a:r>
               <a:rPr lang="sk-SK" sz="2800" dirty="0">
+                <a:solidFill>
+                  <a:schemeClr val="tx1"/>
+                </a:solidFill>
                 <a:effectLst/>
                 <a:latin typeface="Arial" panose="020B0604020202020204" pitchFamily="34" charset="0"/>
               </a:rPr>
@@ -6721,6 +6814,9 @@
             </a:r>
             <a:r>
               <a:rPr lang="sk-SK" sz="2800" dirty="0" err="1">
+                <a:solidFill>
+                  <a:schemeClr val="tx1"/>
+                </a:solidFill>
                 <a:effectLst/>
                 <a:latin typeface="Arial" panose="020B0604020202020204" pitchFamily="34" charset="0"/>
               </a:rPr>
@@ -6728,6 +6824,9 @@
             </a:r>
             <a:r>
               <a:rPr lang="sk-SK" sz="2800" dirty="0">
+                <a:solidFill>
+                  <a:schemeClr val="tx1"/>
+                </a:solidFill>
                 <a:effectLst/>
                 <a:latin typeface="Arial" panose="020B0604020202020204" pitchFamily="34" charset="0"/>
               </a:rPr>
@@ -6741,6 +6840,9 @@
             </a:pPr>
             <a:r>
               <a:rPr lang="sk-SK" sz="2800" dirty="0">
+                <a:solidFill>
+                  <a:schemeClr val="tx1"/>
+                </a:solidFill>
                 <a:effectLst/>
                 <a:latin typeface="Arial" panose="020B0604020202020204" pitchFamily="34" charset="0"/>
               </a:rPr>
@@ -6754,11 +6856,17 @@
             </a:pPr>
             <a:r>
               <a:rPr lang="sk-SK" sz="2800" dirty="0">
+                <a:solidFill>
+                  <a:schemeClr val="tx1"/>
+                </a:solidFill>
                 <a:latin typeface="Arial" panose="020B0604020202020204" pitchFamily="34" charset="0"/>
               </a:rPr>
               <a:t>Podobne aplikácie</a:t>
             </a:r>
             <a:endParaRPr lang="sk-SK" sz="2800" dirty="0">
+              <a:solidFill>
+                <a:schemeClr val="tx1"/>
+              </a:solidFill>
               <a:effectLst/>
               <a:latin typeface="Arial" panose="020B0604020202020204" pitchFamily="34" charset="0"/>
             </a:endParaRPr>
@@ -7041,6 +7149,9 @@
             </a:pPr>
             <a:r>
               <a:rPr lang="sk-SK" sz="2800" dirty="0">
+                <a:solidFill>
+                  <a:schemeClr val="tx1"/>
+                </a:solidFill>
                 <a:effectLst/>
                 <a:latin typeface="Arial" panose="020B0604020202020204" pitchFamily="34" charset="0"/>
                 <a:cs typeface="Arial" panose="020B0604020202020204" pitchFamily="34" charset="0"/>
@@ -7049,11 +7160,17 @@
             </a:r>
             <a:br>
               <a:rPr lang="sk-SK" sz="2800" dirty="0">
+                <a:solidFill>
+                  <a:schemeClr val="tx1"/>
+                </a:solidFill>
                 <a:latin typeface="Arial" panose="020B0604020202020204" pitchFamily="34" charset="0"/>
                 <a:cs typeface="Arial" panose="020B0604020202020204" pitchFamily="34" charset="0"/>
               </a:rPr>
             </a:br>
             <a:endParaRPr lang="sk-SK" sz="2800" dirty="0">
+              <a:solidFill>
+                <a:schemeClr val="tx1"/>
+              </a:solidFill>
               <a:latin typeface="Arial" panose="020B0604020202020204" pitchFamily="34" charset="0"/>
               <a:cs typeface="Arial" panose="020B0604020202020204" pitchFamily="34" charset="0"/>
             </a:endParaRPr>
@@ -7064,6 +7181,9 @@
             </a:pPr>
             <a:r>
               <a:rPr lang="sk-SK" sz="2800" dirty="0">
+                <a:solidFill>
+                  <a:schemeClr val="tx1"/>
+                </a:solidFill>
                 <a:effectLst/>
                 <a:latin typeface="Arial" panose="020B0604020202020204" pitchFamily="34" charset="0"/>
                 <a:cs typeface="Arial" panose="020B0604020202020204" pitchFamily="34" charset="0"/>
@@ -7071,6 +7191,9 @@
               <a:t>Cieľ práce boli rozdelené na čiastkové ciele:</a:t>
             </a:r>
             <a:endParaRPr lang="sk-SK" sz="2800" dirty="0">
+              <a:solidFill>
+                <a:schemeClr val="tx1"/>
+              </a:solidFill>
               <a:latin typeface="Arial" panose="020B0604020202020204" pitchFamily="34" charset="0"/>
               <a:cs typeface="Arial" panose="020B0604020202020204" pitchFamily="34" charset="0"/>
             </a:endParaRPr>
@@ -7082,6 +7205,9 @@
             </a:pPr>
             <a:r>
               <a:rPr lang="sk-SK" sz="2800" dirty="0">
+                <a:solidFill>
+                  <a:schemeClr val="tx1"/>
+                </a:solidFill>
                 <a:latin typeface="Arial" panose="020B0604020202020204" pitchFamily="34" charset="0"/>
                 <a:cs typeface="Arial" panose="020B0604020202020204" pitchFamily="34" charset="0"/>
               </a:rPr>
@@ -7095,6 +7221,9 @@
             </a:pPr>
             <a:r>
               <a:rPr lang="sk-SK" sz="2800" dirty="0">
+                <a:solidFill>
+                  <a:schemeClr val="tx1"/>
+                </a:solidFill>
                 <a:latin typeface="Arial" panose="020B0604020202020204" pitchFamily="34" charset="0"/>
                 <a:cs typeface="Arial" panose="020B0604020202020204" pitchFamily="34" charset="0"/>
               </a:rPr>
@@ -7108,6 +7237,9 @@
             </a:pPr>
             <a:r>
               <a:rPr lang="sk-SK" sz="2800" dirty="0">
+                <a:solidFill>
+                  <a:schemeClr val="tx1"/>
+                </a:solidFill>
                 <a:latin typeface="Arial" panose="020B0604020202020204" pitchFamily="34" charset="0"/>
                 <a:cs typeface="Arial" panose="020B0604020202020204" pitchFamily="34" charset="0"/>
               </a:rPr>
@@ -7121,6 +7253,9 @@
             </a:pPr>
             <a:r>
               <a:rPr lang="pl-PL" sz="2800" dirty="0">
+                <a:solidFill>
+                  <a:schemeClr val="tx1"/>
+                </a:solidFill>
                 <a:latin typeface="Arial" panose="020B0604020202020204" pitchFamily="34" charset="0"/>
                 <a:cs typeface="Arial" panose="020B0604020202020204" pitchFamily="34" charset="0"/>
               </a:rPr>
@@ -7134,6 +7269,9 @@
             </a:pPr>
             <a:r>
               <a:rPr lang="sk-SK" sz="2800" dirty="0">
+                <a:solidFill>
+                  <a:schemeClr val="tx1"/>
+                </a:solidFill>
                 <a:latin typeface="Arial" panose="020B0604020202020204" pitchFamily="34" charset="0"/>
                 <a:cs typeface="Arial" panose="020B0604020202020204" pitchFamily="34" charset="0"/>
               </a:rPr>
@@ -7233,7 +7371,11 @@
               <a:buNone/>
             </a:pPr>
             <a:r>
-              <a:rPr lang="sk-SK" dirty="0"/>
+              <a:rPr lang="sk-SK" dirty="0">
+                <a:solidFill>
+                  <a:schemeClr val="tx1"/>
+                </a:solidFill>
+              </a:rPr>
               <a:t>Typy senzorov v mobilnom zariadení ,ktoré používame:</a:t>
             </a:r>
           </a:p>
@@ -7242,15 +7384,27 @@
               <a:buNone/>
             </a:pPr>
             <a:r>
-              <a:rPr lang="sk-SK" dirty="0"/>
+              <a:rPr lang="sk-SK" dirty="0">
+                <a:solidFill>
+                  <a:schemeClr val="tx1"/>
+                </a:solidFill>
+              </a:rPr>
               <a:t>▪ </a:t>
             </a:r>
             <a:r>
-              <a:rPr lang="sk-SK" dirty="0" err="1"/>
+              <a:rPr lang="sk-SK" dirty="0" err="1">
+                <a:solidFill>
+                  <a:schemeClr val="tx1"/>
+                </a:solidFill>
+              </a:rPr>
               <a:t>Sensor.TYPE_ACCELEROMETER</a:t>
             </a:r>
             <a:r>
-              <a:rPr lang="sk-SK" dirty="0"/>
+              <a:rPr lang="sk-SK" dirty="0">
+                <a:solidFill>
+                  <a:schemeClr val="tx1"/>
+                </a:solidFill>
+              </a:rPr>
               <a:t>,</a:t>
             </a:r>
           </a:p>
@@ -7259,15 +7413,27 @@
               <a:buNone/>
             </a:pPr>
             <a:r>
-              <a:rPr lang="sk-SK" dirty="0"/>
+              <a:rPr lang="sk-SK" dirty="0">
+                <a:solidFill>
+                  <a:schemeClr val="tx1"/>
+                </a:solidFill>
+              </a:rPr>
               <a:t>▪ </a:t>
             </a:r>
             <a:r>
-              <a:rPr lang="sk-SK" dirty="0" err="1"/>
+              <a:rPr lang="sk-SK" dirty="0" err="1">
+                <a:solidFill>
+                  <a:schemeClr val="tx1"/>
+                </a:solidFill>
+              </a:rPr>
               <a:t>Sensor.TYPE_LINEAR_ACCELERATION</a:t>
             </a:r>
             <a:r>
-              <a:rPr lang="sk-SK" dirty="0"/>
+              <a:rPr lang="sk-SK" dirty="0">
+                <a:solidFill>
+                  <a:schemeClr val="tx1"/>
+                </a:solidFill>
+              </a:rPr>
               <a:t>,</a:t>
             </a:r>
           </a:p>
@@ -7276,15 +7442,27 @@
               <a:buNone/>
             </a:pPr>
             <a:r>
-              <a:rPr lang="sk-SK" dirty="0"/>
+              <a:rPr lang="sk-SK" dirty="0">
+                <a:solidFill>
+                  <a:schemeClr val="tx1"/>
+                </a:solidFill>
+              </a:rPr>
               <a:t>▪ </a:t>
             </a:r>
             <a:r>
-              <a:rPr lang="sk-SK" dirty="0" err="1"/>
+              <a:rPr lang="sk-SK" dirty="0" err="1">
+                <a:solidFill>
+                  <a:schemeClr val="tx1"/>
+                </a:solidFill>
+              </a:rPr>
               <a:t>Sensor.TYPE_GRAVITY</a:t>
             </a:r>
             <a:r>
-              <a:rPr lang="sk-SK" dirty="0"/>
+              <a:rPr lang="sk-SK" dirty="0">
+                <a:solidFill>
+                  <a:schemeClr val="tx1"/>
+                </a:solidFill>
+              </a:rPr>
               <a:t>,</a:t>
             </a:r>
           </a:p>
@@ -7293,15 +7471,27 @@
               <a:buNone/>
             </a:pPr>
             <a:r>
-              <a:rPr lang="sk-SK" dirty="0"/>
+              <a:rPr lang="sk-SK" dirty="0">
+                <a:solidFill>
+                  <a:schemeClr val="tx1"/>
+                </a:solidFill>
+              </a:rPr>
               <a:t>▪ </a:t>
             </a:r>
             <a:r>
-              <a:rPr lang="sk-SK" dirty="0" err="1"/>
+              <a:rPr lang="sk-SK" dirty="0" err="1">
+                <a:solidFill>
+                  <a:schemeClr val="tx1"/>
+                </a:solidFill>
+              </a:rPr>
               <a:t>Sensor.TYPE_GYROSCOPE</a:t>
             </a:r>
             <a:r>
-              <a:rPr lang="sk-SK" dirty="0"/>
+              <a:rPr lang="sk-SK" dirty="0">
+                <a:solidFill>
+                  <a:schemeClr val="tx1"/>
+                </a:solidFill>
+              </a:rPr>
               <a:t>,</a:t>
             </a:r>
           </a:p>
@@ -7310,15 +7500,27 @@
               <a:buNone/>
             </a:pPr>
             <a:r>
-              <a:rPr lang="sk-SK" dirty="0"/>
+              <a:rPr lang="sk-SK" dirty="0">
+                <a:solidFill>
+                  <a:schemeClr val="tx1"/>
+                </a:solidFill>
+              </a:rPr>
               <a:t>▪ </a:t>
             </a:r>
             <a:r>
-              <a:rPr lang="sk-SK" dirty="0" err="1"/>
+              <a:rPr lang="sk-SK" dirty="0" err="1">
+                <a:solidFill>
+                  <a:schemeClr val="tx1"/>
+                </a:solidFill>
+              </a:rPr>
               <a:t>Sensor.TYPE_ORIENTATION</a:t>
             </a:r>
             <a:r>
-              <a:rPr lang="sk-SK" dirty="0"/>
+              <a:rPr lang="sk-SK" dirty="0">
+                <a:solidFill>
+                  <a:schemeClr val="tx1"/>
+                </a:solidFill>
+              </a:rPr>
               <a:t>,</a:t>
             </a:r>
           </a:p>
@@ -7327,15 +7529,27 @@
               <a:buNone/>
             </a:pPr>
             <a:r>
-              <a:rPr lang="sk-SK" dirty="0"/>
+              <a:rPr lang="sk-SK" dirty="0">
+                <a:solidFill>
+                  <a:schemeClr val="tx1"/>
+                </a:solidFill>
+              </a:rPr>
               <a:t>▪ </a:t>
             </a:r>
             <a:r>
-              <a:rPr lang="sk-SK" dirty="0" err="1"/>
+              <a:rPr lang="sk-SK" dirty="0" err="1">
+                <a:solidFill>
+                  <a:schemeClr val="tx1"/>
+                </a:solidFill>
+              </a:rPr>
               <a:t>Sensor.TYPE_ROTATION_VECTOR</a:t>
             </a:r>
             <a:r>
-              <a:rPr lang="sk-SK" dirty="0"/>
+              <a:rPr lang="sk-SK" dirty="0">
+                <a:solidFill>
+                  <a:schemeClr val="tx1"/>
+                </a:solidFill>
+              </a:rPr>
               <a:t>,</a:t>
             </a:r>
           </a:p>
@@ -7344,31 +7558,59 @@
               <a:buNone/>
             </a:pPr>
             <a:r>
-              <a:rPr lang="sk-SK" dirty="0"/>
+              <a:rPr lang="sk-SK" dirty="0">
+                <a:solidFill>
+                  <a:schemeClr val="tx1"/>
+                </a:solidFill>
+              </a:rPr>
               <a:t>▪ </a:t>
             </a:r>
             <a:r>
-              <a:rPr lang="sk-SK" dirty="0" err="1"/>
+              <a:rPr lang="sk-SK" dirty="0" err="1">
+                <a:solidFill>
+                  <a:schemeClr val="tx1"/>
+                </a:solidFill>
+              </a:rPr>
               <a:t>Latitude</a:t>
             </a:r>
             <a:r>
-              <a:rPr lang="sk-SK" dirty="0"/>
+              <a:rPr lang="sk-SK" dirty="0">
+                <a:solidFill>
+                  <a:schemeClr val="tx1"/>
+                </a:solidFill>
+              </a:rPr>
               <a:t>, </a:t>
             </a:r>
             <a:r>
-              <a:rPr lang="sk-SK" dirty="0" err="1"/>
+              <a:rPr lang="sk-SK" dirty="0" err="1">
+                <a:solidFill>
+                  <a:schemeClr val="tx1"/>
+                </a:solidFill>
+              </a:rPr>
               <a:t>Longtitude</a:t>
             </a:r>
             <a:r>
-              <a:rPr lang="sk-SK" dirty="0"/>
+              <a:rPr lang="sk-SK" dirty="0">
+                <a:solidFill>
+                  <a:schemeClr val="tx1"/>
+                </a:solidFill>
+              </a:rPr>
               <a:t>, </a:t>
             </a:r>
             <a:r>
-              <a:rPr lang="sk-SK" dirty="0" err="1"/>
+              <a:rPr lang="sk-SK" dirty="0" err="1">
+                <a:solidFill>
+                  <a:schemeClr val="tx1"/>
+                </a:solidFill>
+              </a:rPr>
               <a:t>Altitude</a:t>
             </a:r>
             <a:r>
-              <a:rPr lang="sk-SK" dirty="0"/>
+              <a:rPr lang="sk-SK" dirty="0">
+                <a:solidFill>
+                  <a:schemeClr val="tx1"/>
+                </a:solidFill>
+              </a:rPr>
               <a:t>.</a:t>
             </a:r>
           </a:p>
